--- a/DistributedSpMV_Poster.pptx
+++ b/DistributedSpMV_Poster.pptx
@@ -141,284 +141,6 @@
     </p:ext>
   </p:extLst>
 </p:presentation>
-</file>
-
-<file path=ppt/charts/chart1.xml><?xml version="1.0" encoding="utf-8"?>
-<c:chartSpace xmlns:c="http://schemas.openxmlformats.org/drawingml/2006/chart" xmlns:a="http://schemas.openxmlformats.org/drawingml/2006/main" xmlns:r="http://schemas.openxmlformats.org/officeDocument/2006/relationships" xmlns:c16r2="http://schemas.microsoft.com/office/drawing/2015/06/chart">
-  <c:date1904 val="0"/>
-  <c:lang val="en-US"/>
-  <c:roundedCorners val="0"/>
-  <mc:AlternateContent xmlns:mc="http://schemas.openxmlformats.org/markup-compatibility/2006">
-    <mc:Choice xmlns:c14="http://schemas.microsoft.com/office/drawing/2007/8/2/chart" Requires="c14">
-      <c14:style val="103"/>
-    </mc:Choice>
-    <mc:Fallback>
-      <c:style val="3"/>
-    </mc:Fallback>
-  </mc:AlternateContent>
-  <c:chart>
-    <c:autoTitleDeleted val="0"/>
-    <c:plotArea>
-      <c:layout/>
-      <c:barChart>
-        <c:barDir val="col"/>
-        <c:grouping val="clustered"/>
-        <c:varyColors val="0"/>
-        <c:ser>
-          <c:idx val="0"/>
-          <c:order val="0"/>
-          <c:tx>
-            <c:strRef>
-              <c:f>Sheet1!$B$1</c:f>
-              <c:strCache>
-                <c:ptCount val="1"/>
-                <c:pt idx="0">
-                  <c:v>Series 1</c:v>
-                </c:pt>
-              </c:strCache>
-            </c:strRef>
-          </c:tx>
-          <c:invertIfNegative val="0"/>
-          <c:cat>
-            <c:strRef>
-              <c:f>Sheet1!$A$2:$A$5</c:f>
-              <c:strCache>
-                <c:ptCount val="4"/>
-                <c:pt idx="0">
-                  <c:v>Category 1</c:v>
-                </c:pt>
-                <c:pt idx="1">
-                  <c:v>Category 2</c:v>
-                </c:pt>
-                <c:pt idx="2">
-                  <c:v>Category 3</c:v>
-                </c:pt>
-                <c:pt idx="3">
-                  <c:v>Category 4</c:v>
-                </c:pt>
-              </c:strCache>
-            </c:strRef>
-          </c:cat>
-          <c:val>
-            <c:numRef>
-              <c:f>Sheet1!$B$2:$B$5</c:f>
-              <c:numCache>
-                <c:formatCode>General</c:formatCode>
-                <c:ptCount val="4"/>
-                <c:pt idx="0">
-                  <c:v>4.3</c:v>
-                </c:pt>
-                <c:pt idx="1">
-                  <c:v>2.5</c:v>
-                </c:pt>
-                <c:pt idx="2">
-                  <c:v>3.5</c:v>
-                </c:pt>
-                <c:pt idx="3">
-                  <c:v>4.5</c:v>
-                </c:pt>
-              </c:numCache>
-            </c:numRef>
-          </c:val>
-          <c:extLst>
-            <c:ext xmlns:c16="http://schemas.microsoft.com/office/drawing/2014/chart" uri="{C3380CC4-5D6E-409C-BE32-E72D297353CC}">
-              <c16:uniqueId val="{00000000-C832-6F44-882E-10009DEC06D1}"/>
-            </c:ext>
-          </c:extLst>
-        </c:ser>
-        <c:ser>
-          <c:idx val="1"/>
-          <c:order val="1"/>
-          <c:tx>
-            <c:strRef>
-              <c:f>Sheet1!$C$1</c:f>
-              <c:strCache>
-                <c:ptCount val="1"/>
-                <c:pt idx="0">
-                  <c:v>Series 2</c:v>
-                </c:pt>
-              </c:strCache>
-            </c:strRef>
-          </c:tx>
-          <c:invertIfNegative val="0"/>
-          <c:cat>
-            <c:strRef>
-              <c:f>Sheet1!$A$2:$A$5</c:f>
-              <c:strCache>
-                <c:ptCount val="4"/>
-                <c:pt idx="0">
-                  <c:v>Category 1</c:v>
-                </c:pt>
-                <c:pt idx="1">
-                  <c:v>Category 2</c:v>
-                </c:pt>
-                <c:pt idx="2">
-                  <c:v>Category 3</c:v>
-                </c:pt>
-                <c:pt idx="3">
-                  <c:v>Category 4</c:v>
-                </c:pt>
-              </c:strCache>
-            </c:strRef>
-          </c:cat>
-          <c:val>
-            <c:numRef>
-              <c:f>Sheet1!$C$2:$C$5</c:f>
-              <c:numCache>
-                <c:formatCode>General</c:formatCode>
-                <c:ptCount val="4"/>
-                <c:pt idx="0">
-                  <c:v>2.4</c:v>
-                </c:pt>
-                <c:pt idx="1">
-                  <c:v>4.4000000000000004</c:v>
-                </c:pt>
-                <c:pt idx="2">
-                  <c:v>1.8</c:v>
-                </c:pt>
-                <c:pt idx="3">
-                  <c:v>2.8</c:v>
-                </c:pt>
-              </c:numCache>
-            </c:numRef>
-          </c:val>
-          <c:extLst>
-            <c:ext xmlns:c16="http://schemas.microsoft.com/office/drawing/2014/chart" uri="{C3380CC4-5D6E-409C-BE32-E72D297353CC}">
-              <c16:uniqueId val="{00000001-C832-6F44-882E-10009DEC06D1}"/>
-            </c:ext>
-          </c:extLst>
-        </c:ser>
-        <c:ser>
-          <c:idx val="2"/>
-          <c:order val="2"/>
-          <c:tx>
-            <c:strRef>
-              <c:f>Sheet1!$D$1</c:f>
-              <c:strCache>
-                <c:ptCount val="1"/>
-                <c:pt idx="0">
-                  <c:v>Series 3</c:v>
-                </c:pt>
-              </c:strCache>
-            </c:strRef>
-          </c:tx>
-          <c:invertIfNegative val="0"/>
-          <c:cat>
-            <c:strRef>
-              <c:f>Sheet1!$A$2:$A$5</c:f>
-              <c:strCache>
-                <c:ptCount val="4"/>
-                <c:pt idx="0">
-                  <c:v>Category 1</c:v>
-                </c:pt>
-                <c:pt idx="1">
-                  <c:v>Category 2</c:v>
-                </c:pt>
-                <c:pt idx="2">
-                  <c:v>Category 3</c:v>
-                </c:pt>
-                <c:pt idx="3">
-                  <c:v>Category 4</c:v>
-                </c:pt>
-              </c:strCache>
-            </c:strRef>
-          </c:cat>
-          <c:val>
-            <c:numRef>
-              <c:f>Sheet1!$D$2:$D$5</c:f>
-              <c:numCache>
-                <c:formatCode>General</c:formatCode>
-                <c:ptCount val="4"/>
-                <c:pt idx="0">
-                  <c:v>2</c:v>
-                </c:pt>
-                <c:pt idx="1">
-                  <c:v>2</c:v>
-                </c:pt>
-                <c:pt idx="2">
-                  <c:v>3</c:v>
-                </c:pt>
-                <c:pt idx="3">
-                  <c:v>3.4</c:v>
-                </c:pt>
-              </c:numCache>
-            </c:numRef>
-          </c:val>
-          <c:extLst>
-            <c:ext xmlns:c16="http://schemas.microsoft.com/office/drawing/2014/chart" uri="{C3380CC4-5D6E-409C-BE32-E72D297353CC}">
-              <c16:uniqueId val="{00000002-C832-6F44-882E-10009DEC06D1}"/>
-            </c:ext>
-          </c:extLst>
-        </c:ser>
-        <c:dLbls>
-          <c:showLegendKey val="0"/>
-          <c:showVal val="0"/>
-          <c:showCatName val="0"/>
-          <c:showSerName val="0"/>
-          <c:showPercent val="0"/>
-          <c:showBubbleSize val="0"/>
-        </c:dLbls>
-        <c:gapWidth val="150"/>
-        <c:axId val="90398080"/>
-        <c:axId val="97186944"/>
-      </c:barChart>
-      <c:catAx>
-        <c:axId val="90398080"/>
-        <c:scaling>
-          <c:orientation val="minMax"/>
-        </c:scaling>
-        <c:delete val="0"/>
-        <c:axPos val="b"/>
-        <c:numFmt formatCode="General" sourceLinked="0"/>
-        <c:majorTickMark val="out"/>
-        <c:minorTickMark val="none"/>
-        <c:tickLblPos val="nextTo"/>
-        <c:crossAx val="97186944"/>
-        <c:crosses val="autoZero"/>
-        <c:auto val="1"/>
-        <c:lblAlgn val="ctr"/>
-        <c:lblOffset val="100"/>
-        <c:noMultiLvlLbl val="0"/>
-      </c:catAx>
-      <c:valAx>
-        <c:axId val="97186944"/>
-        <c:scaling>
-          <c:orientation val="minMax"/>
-        </c:scaling>
-        <c:delete val="0"/>
-        <c:axPos val="l"/>
-        <c:majorGridlines/>
-        <c:numFmt formatCode="General" sourceLinked="1"/>
-        <c:majorTickMark val="out"/>
-        <c:minorTickMark val="none"/>
-        <c:tickLblPos val="nextTo"/>
-        <c:crossAx val="90398080"/>
-        <c:crosses val="autoZero"/>
-        <c:crossBetween val="between"/>
-      </c:valAx>
-    </c:plotArea>
-    <c:legend>
-      <c:legendPos val="r"/>
-      <c:overlay val="0"/>
-    </c:legend>
-    <c:plotVisOnly val="1"/>
-    <c:dispBlanksAs val="gap"/>
-    <c:showDLblsOverMax val="0"/>
-  </c:chart>
-  <c:txPr>
-    <a:bodyPr/>
-    <a:lstStyle/>
-    <a:p>
-      <a:pPr>
-        <a:defRPr sz="1800"/>
-      </a:pPr>
-      <a:endParaRPr lang="en-US"/>
-    </a:p>
-  </c:txPr>
-  <c:externalData r:id="rId1">
-    <c:autoUpdate val="0"/>
-  </c:externalData>
-</c:chartSpace>
 </file>
 
 <file path=ppt/slideLayouts/slideLayout1.xml><?xml version="1.0" encoding="utf-8"?>
@@ -2011,7 +1733,7 @@
           <a:p>
             <a:fld id="{985D6BDF-9D0E-4E2B-85B8-D8F4790360C9}" type="datetimeFigureOut">
               <a:rPr lang="en-US" smtClean="0"/>
-              <a:t>2/21/18</a:t>
+              <a:t>2/23/18</a:t>
             </a:fld>
             <a:endParaRPr lang="en-US" dirty="0"/>
           </a:p>
@@ -2222,7 +1944,7 @@
           <a:p>
             <a:fld id="{985D6BDF-9D0E-4E2B-85B8-D8F4790360C9}" type="datetimeFigureOut">
               <a:rPr lang="en-US" smtClean="0"/>
-              <a:t>2/21/18</a:t>
+              <a:t>2/23/18</a:t>
             </a:fld>
             <a:endParaRPr lang="en-US" dirty="0"/>
           </a:p>
@@ -2588,6 +2310,42 @@
           <a:chExt cx="0" cy="0"/>
         </a:xfrm>
       </p:grpSpPr>
+      <p:pic>
+        <p:nvPicPr>
+          <p:cNvPr id="71" name="Picture 70">
+            <a:extLst>
+              <a:ext uri="{FF2B5EF4-FFF2-40B4-BE49-F238E27FC236}">
+                <a16:creationId xmlns:a16="http://schemas.microsoft.com/office/drawing/2014/main" id="{C949A1B1-CF78-1346-BD1C-D4DEB65ED571}"/>
+              </a:ext>
+            </a:extLst>
+          </p:cNvPr>
+          <p:cNvPicPr>
+            <a:picLocks noChangeAspect="1"/>
+          </p:cNvPicPr>
+          <p:nvPr/>
+        </p:nvPicPr>
+        <p:blipFill>
+          <a:blip r:embed="rId2">
+            <a:extLst>
+              <a:ext uri="{28A0092B-C50C-407E-A947-70E740481C1C}">
+                <a14:useLocalDpi xmlns:a14="http://schemas.microsoft.com/office/drawing/2010/main" val="0"/>
+              </a:ext>
+            </a:extLst>
+          </a:blip>
+          <a:stretch>
+            <a:fillRect/>
+          </a:stretch>
+        </p:blipFill>
+        <p:spPr>
+          <a:xfrm>
+            <a:off x="1431371" y="25908000"/>
+            <a:ext cx="14427667" cy="6622536"/>
+          </a:xfrm>
+          <a:prstGeom prst="rect">
+            <a:avLst/>
+          </a:prstGeom>
+        </p:spPr>
+      </p:pic>
       <p:sp>
         <p:nvSpPr>
           <p:cNvPr id="4" name="Text Box 122"/>
@@ -2981,7 +2739,7 @@
         <p:spPr>
           <a:xfrm>
             <a:off x="1828800" y="40050719"/>
-            <a:ext cx="14173200" cy="2651760"/>
+            <a:ext cx="4616648" cy="1569660"/>
           </a:xfrm>
           <a:prstGeom prst="rect">
             <a:avLst/>
@@ -3001,32 +2759,27 @@
           <a:p>
             <a:r>
               <a:rPr lang="en-US" sz="3200" dirty="0"/>
-              <a:t>&lt;your name&gt;</a:t>
+              <a:t>Brian Page	</a:t>
             </a:r>
           </a:p>
           <a:p>
             <a:r>
               <a:rPr lang="en-US" sz="3200" dirty="0"/>
-              <a:t>&lt;your organization&gt;</a:t>
+              <a:t>University of Notre Dame</a:t>
             </a:r>
           </a:p>
           <a:p>
             <a:r>
               <a:rPr lang="en-US" sz="3200" dirty="0"/>
-              <a:t>Email:</a:t>
-            </a:r>
-          </a:p>
-          <a:p>
-            <a:r>
-              <a:rPr lang="en-US" sz="3200" dirty="0"/>
-              <a:t>Website:</a:t>
-            </a:r>
-          </a:p>
-          <a:p>
-            <a:r>
-              <a:rPr lang="en-US" sz="3200" dirty="0"/>
-              <a:t>Phone:</a:t>
-            </a:r>
+              <a:t>Email: </a:t>
+            </a:r>
+            <a:r>
+              <a:rPr lang="en-US" sz="3200" dirty="0">
+                <a:hlinkClick r:id="rId3"/>
+              </a:rPr>
+              <a:t>bpage1@nd.edu</a:t>
+            </a:r>
+            <a:endParaRPr lang="en-US" sz="3200" dirty="0"/>
           </a:p>
         </p:txBody>
       </p:sp>
@@ -3061,165 +2814,6 @@
       </p:sp>
       <p:sp>
         <p:nvSpPr>
-          <p:cNvPr id="26" name="TextBox 25"/>
-          <p:cNvSpPr txBox="1"/>
-          <p:nvPr/>
-        </p:nvSpPr>
-        <p:spPr>
-          <a:xfrm>
-            <a:off x="16916400" y="40050719"/>
-            <a:ext cx="14173200" cy="2926080"/>
-          </a:xfrm>
-          <a:prstGeom prst="rect">
-            <a:avLst/>
-          </a:prstGeom>
-          <a:noFill/>
-        </p:spPr>
-        <p:txBody>
-          <a:bodyPr wrap="square" tIns="91440" bIns="91440" numCol="1" spcCol="457200" rtlCol="0">
-            <a:noAutofit/>
-          </a:bodyPr>
-          <a:lstStyle/>
-          <a:p>
-            <a:pPr marL="457200" indent="-457200">
-              <a:buFont typeface="+mj-lt"/>
-              <a:buAutoNum type="arabicPeriod"/>
-            </a:pPr>
-            <a:r>
-              <a:rPr lang="en-US" sz="1800" dirty="0"/>
-              <a:t> </a:t>
-            </a:r>
-          </a:p>
-          <a:p>
-            <a:pPr marL="457200" indent="-457200">
-              <a:buFont typeface="+mj-lt"/>
-              <a:buAutoNum type="arabicPeriod"/>
-            </a:pPr>
-            <a:r>
-              <a:rPr lang="en-US" sz="1800" dirty="0"/>
-              <a:t> </a:t>
-            </a:r>
-          </a:p>
-          <a:p>
-            <a:pPr marL="457200" indent="-457200">
-              <a:buFont typeface="+mj-lt"/>
-              <a:buAutoNum type="arabicPeriod"/>
-            </a:pPr>
-            <a:r>
-              <a:rPr lang="en-US" sz="1800" dirty="0"/>
-              <a:t> </a:t>
-            </a:r>
-          </a:p>
-          <a:p>
-            <a:pPr marL="457200" indent="-457200">
-              <a:buFont typeface="+mj-lt"/>
-              <a:buAutoNum type="arabicPeriod"/>
-            </a:pPr>
-            <a:r>
-              <a:rPr lang="en-US" sz="1800" dirty="0"/>
-              <a:t> </a:t>
-            </a:r>
-          </a:p>
-          <a:p>
-            <a:pPr marL="457200" indent="-457200">
-              <a:buFont typeface="+mj-lt"/>
-              <a:buAutoNum type="arabicPeriod"/>
-            </a:pPr>
-            <a:r>
-              <a:rPr lang="en-US" sz="1800" dirty="0"/>
-              <a:t> </a:t>
-            </a:r>
-          </a:p>
-          <a:p>
-            <a:pPr marL="457200" indent="-457200">
-              <a:buFont typeface="+mj-lt"/>
-              <a:buAutoNum type="arabicPeriod"/>
-            </a:pPr>
-            <a:r>
-              <a:rPr lang="en-US" sz="1800" dirty="0"/>
-              <a:t> </a:t>
-            </a:r>
-          </a:p>
-          <a:p>
-            <a:pPr marL="457200" indent="-457200">
-              <a:buFont typeface="+mj-lt"/>
-              <a:buAutoNum type="arabicPeriod"/>
-            </a:pPr>
-            <a:r>
-              <a:rPr lang="en-US" sz="1800" dirty="0"/>
-              <a:t> </a:t>
-            </a:r>
-          </a:p>
-          <a:p>
-            <a:pPr marL="457200" indent="-457200">
-              <a:buFont typeface="+mj-lt"/>
-              <a:buAutoNum type="arabicPeriod"/>
-            </a:pPr>
-            <a:r>
-              <a:rPr lang="en-US" sz="1800" dirty="0"/>
-              <a:t> </a:t>
-            </a:r>
-          </a:p>
-          <a:p>
-            <a:pPr marL="457200" indent="-457200">
-              <a:buFont typeface="+mj-lt"/>
-              <a:buAutoNum type="arabicPeriod"/>
-            </a:pPr>
-            <a:r>
-              <a:rPr lang="en-US" sz="1800" dirty="0"/>
-              <a:t> </a:t>
-            </a:r>
-          </a:p>
-          <a:p>
-            <a:pPr marL="457200" indent="-457200">
-              <a:buFont typeface="+mj-lt"/>
-              <a:buAutoNum type="arabicPeriod"/>
-            </a:pPr>
-            <a:r>
-              <a:rPr lang="en-US" sz="1800" dirty="0"/>
-              <a:t>  </a:t>
-            </a:r>
-          </a:p>
-          <a:p>
-            <a:pPr marL="457200" indent="-457200">
-              <a:buFont typeface="+mj-lt"/>
-              <a:buAutoNum type="arabicPeriod"/>
-            </a:pPr>
-            <a:endParaRPr lang="en-US" sz="1800" dirty="0"/>
-          </a:p>
-        </p:txBody>
-      </p:sp>
-      <p:sp>
-        <p:nvSpPr>
-          <p:cNvPr id="27" name="TextBox 26"/>
-          <p:cNvSpPr txBox="1"/>
-          <p:nvPr/>
-        </p:nvSpPr>
-        <p:spPr>
-          <a:xfrm>
-            <a:off x="16916400" y="38862000"/>
-            <a:ext cx="3689793" cy="1015663"/>
-          </a:xfrm>
-          <a:prstGeom prst="rect">
-            <a:avLst/>
-          </a:prstGeom>
-          <a:noFill/>
-        </p:spPr>
-        <p:txBody>
-          <a:bodyPr wrap="none" rtlCol="0">
-            <a:spAutoFit/>
-          </a:bodyPr>
-          <a:lstStyle/>
-          <a:p>
-            <a:r>
-              <a:rPr lang="en-US" sz="6000" b="1" dirty="0"/>
-              <a:t>References</a:t>
-            </a:r>
-          </a:p>
-        </p:txBody>
-      </p:sp>
-      <p:sp>
-        <p:nvSpPr>
           <p:cNvPr id="10" name="Text Box 189"/>
           <p:cNvSpPr txBox="1">
             <a:spLocks noChangeArrowheads="1"/>
@@ -3229,7 +2823,7 @@
         <p:spPr bwMode="auto">
           <a:xfrm>
             <a:off x="1025524" y="7086600"/>
-            <a:ext cx="14976476" cy="6278642"/>
+            <a:ext cx="14976476" cy="5671296"/>
           </a:xfrm>
           <a:prstGeom prst="rect">
             <a:avLst/>
@@ -3349,69 +2943,151 @@
             </a:lvl9pPr>
           </a:lstStyle>
           <a:p>
-            <a:pPr eaLnBrk="1" hangingPunct="1"/>
+            <a:pPr lvl="0">
+              <a:lnSpc>
+                <a:spcPct val="115000"/>
+              </a:lnSpc>
+              <a:spcAft>
+                <a:spcPts val="1600"/>
+              </a:spcAft>
+              <a:buClr>
+                <a:schemeClr val="dk1"/>
+              </a:buClr>
+              <a:buSzPct val="30555"/>
+            </a:pPr>
             <a:r>
               <a:rPr lang="en-US" sz="3200" dirty="0">
-                <a:latin typeface="Calibri" pitchFamily="34" charset="0"/>
-              </a:rPr>
-              <a:t>Click here to insert your Abstract text. Type it in or copy and paste from your Word document or other source.</a:t>
-            </a:r>
-          </a:p>
-          <a:p>
-            <a:pPr eaLnBrk="1" hangingPunct="1"/>
-            <a:endParaRPr lang="en-US" sz="3200" dirty="0">
-              <a:latin typeface="Calibri" pitchFamily="34" charset="0"/>
-            </a:endParaRPr>
-          </a:p>
-          <a:p>
-            <a:pPr eaLnBrk="1" hangingPunct="1"/>
+                <a:solidFill>
+                  <a:srgbClr val="000000"/>
+                </a:solidFill>
+                <a:latin typeface="Arial"/>
+                <a:ea typeface="Arial"/>
+                <a:cs typeface="Arial"/>
+                <a:sym typeface="Arial"/>
+              </a:rPr>
+              <a:t>Sparse algebra problems are an integral component of many scientific computing applications. Sparse operations pose a key issue along the path to </a:t>
+            </a:r>
+            <a:r>
+              <a:rPr lang="en-US" sz="3200" dirty="0" err="1">
+                <a:solidFill>
+                  <a:srgbClr val="000000"/>
+                </a:solidFill>
+                <a:latin typeface="Arial"/>
+                <a:ea typeface="Arial"/>
+                <a:cs typeface="Arial"/>
+                <a:sym typeface="Arial"/>
+              </a:rPr>
+              <a:t>exascale</a:t>
+            </a:r>
             <a:r>
               <a:rPr lang="en-US" sz="3200" dirty="0">
-                <a:latin typeface="Calibri" pitchFamily="34" charset="0"/>
-              </a:rPr>
-              <a:t>This text box will automatically re-size to your text. To turn off that feature, right click inside this box and go to </a:t>
-            </a:r>
-            <a:r>
-              <a:rPr lang="en-US" sz="3200" b="1" dirty="0">
-                <a:latin typeface="Calibri" pitchFamily="34" charset="0"/>
-              </a:rPr>
-              <a:t>Format Shape, Text Box, Autofit</a:t>
-            </a:r>
+                <a:solidFill>
+                  <a:srgbClr val="000000"/>
+                </a:solidFill>
+                <a:latin typeface="Arial"/>
+                <a:ea typeface="Arial"/>
+                <a:cs typeface="Arial"/>
+                <a:sym typeface="Arial"/>
+              </a:rPr>
+              <a:t> systems. Hybrid codes seek to capitalize on higher levels of parallelism, while benefiting from a potential for reduced global communication constructs. </a:t>
+            </a:r>
+          </a:p>
+          <a:p>
+            <a:pPr lvl="0">
+              <a:lnSpc>
+                <a:spcPct val="115000"/>
+              </a:lnSpc>
+              <a:spcAft>
+                <a:spcPts val="1600"/>
+              </a:spcAft>
+              <a:buClr>
+                <a:schemeClr val="dk1"/>
+              </a:buClr>
+              <a:buSzPct val="30555"/>
+            </a:pPr>
             <a:r>
               <a:rPr lang="en-US" sz="3200" dirty="0">
-                <a:latin typeface="Calibri" pitchFamily="34" charset="0"/>
-              </a:rPr>
-              <a:t>, and select the “Do Not Autofit” radio button.</a:t>
-            </a:r>
-          </a:p>
-          <a:p>
-            <a:pPr eaLnBrk="1" hangingPunct="1"/>
-            <a:endParaRPr lang="en-US" sz="3200" dirty="0">
-              <a:latin typeface="Calibri" pitchFamily="34" charset="0"/>
-            </a:endParaRPr>
-          </a:p>
-          <a:p>
-            <a:pPr eaLnBrk="1" hangingPunct="1"/>
+                <a:solidFill>
+                  <a:srgbClr val="000000"/>
+                </a:solidFill>
+                <a:latin typeface="Arial"/>
+                <a:ea typeface="Arial"/>
+                <a:cs typeface="Arial"/>
+                <a:sym typeface="Arial"/>
+              </a:rPr>
+              <a:t>Much work has been performed with the intent at reducing </a:t>
+            </a:r>
+            <a:r>
+              <a:rPr lang="en-US" sz="3200" dirty="0" err="1">
+                <a:solidFill>
+                  <a:srgbClr val="000000"/>
+                </a:solidFill>
+                <a:latin typeface="Arial"/>
+                <a:ea typeface="Arial"/>
+                <a:cs typeface="Arial"/>
+                <a:sym typeface="Arial"/>
+              </a:rPr>
+              <a:t>SpMV</a:t>
+            </a:r>
             <a:r>
               <a:rPr lang="en-US" sz="3200" dirty="0">
-                <a:latin typeface="Calibri" pitchFamily="34" charset="0"/>
-              </a:rPr>
-              <a:t>To change the font style of this text box: Click on the border once to highlight the entire text box, then select a different font or font size that suits you. This text is Calibri 32pt and is easily read up to 4 feet away on a 48x36 poster.</a:t>
-            </a:r>
-          </a:p>
-          <a:p>
-            <a:pPr eaLnBrk="1" hangingPunct="1"/>
-            <a:endParaRPr lang="en-US" sz="3200" dirty="0">
-              <a:latin typeface="Calibri" pitchFamily="34" charset="0"/>
-            </a:endParaRPr>
-          </a:p>
-          <a:p>
-            <a:pPr eaLnBrk="1" hangingPunct="1"/>
+                <a:solidFill>
+                  <a:srgbClr val="000000"/>
+                </a:solidFill>
+                <a:latin typeface="Arial"/>
+                <a:ea typeface="Arial"/>
+                <a:cs typeface="Arial"/>
+                <a:sym typeface="Arial"/>
+              </a:rPr>
+              <a:t> computation time, however in an a distributed environment </a:t>
+            </a:r>
+            <a:r>
+              <a:rPr lang="en-US" sz="3200" dirty="0" err="1">
+                <a:solidFill>
+                  <a:srgbClr val="000000"/>
+                </a:solidFill>
+                <a:latin typeface="Arial"/>
+                <a:ea typeface="Arial"/>
+                <a:cs typeface="Arial"/>
+                <a:sym typeface="Arial"/>
+              </a:rPr>
+              <a:t>SpMV</a:t>
+            </a:r>
             <a:r>
               <a:rPr lang="en-US" sz="3200" dirty="0">
-                <a:latin typeface="Calibri" pitchFamily="34" charset="0"/>
-              </a:rPr>
-              <a:t>Zoom out to 100% to preview what this will look like on your printed poster.</a:t>
+                <a:solidFill>
+                  <a:srgbClr val="000000"/>
+                </a:solidFill>
+                <a:latin typeface="Arial"/>
+                <a:ea typeface="Arial"/>
+                <a:cs typeface="Arial"/>
+                <a:sym typeface="Arial"/>
+              </a:rPr>
+              <a:t> is not compute bound, nor is it memory bandwidth bound. We seek to show that utilizing existing traditional HPC computing methodologies constitutes the primary bottleneck in distributed </a:t>
+            </a:r>
+            <a:r>
+              <a:rPr lang="en-US" sz="3200" dirty="0" err="1">
+                <a:solidFill>
+                  <a:srgbClr val="000000"/>
+                </a:solidFill>
+                <a:latin typeface="Arial"/>
+                <a:ea typeface="Arial"/>
+                <a:cs typeface="Arial"/>
+                <a:sym typeface="Arial"/>
+              </a:rPr>
+              <a:t>SpMV</a:t>
+            </a:r>
+            <a:r>
+              <a:rPr lang="en-US" sz="3200" dirty="0">
+                <a:solidFill>
+                  <a:srgbClr val="000000"/>
+                </a:solidFill>
+                <a:latin typeface="Arial"/>
+                <a:ea typeface="Arial"/>
+                <a:cs typeface="Arial"/>
+                <a:sym typeface="Arial"/>
+              </a:rPr>
+              <a:t> and perhaps other sparse algebra problems as well.</a:t>
             </a:r>
           </a:p>
         </p:txBody>
@@ -3476,250 +3152,13 @@
       </p:sp>
       <p:sp>
         <p:nvSpPr>
-          <p:cNvPr id="15" name="Text Box 194"/>
-          <p:cNvSpPr txBox="1">
-            <a:spLocks noChangeArrowheads="1"/>
-          </p:cNvSpPr>
-          <p:nvPr/>
-        </p:nvSpPr>
-        <p:spPr bwMode="auto">
-          <a:xfrm>
-            <a:off x="16916399" y="7086600"/>
-            <a:ext cx="14935201" cy="7755969"/>
-          </a:xfrm>
-          <a:prstGeom prst="rect">
-            <a:avLst/>
-          </a:prstGeom>
-          <a:solidFill>
-            <a:schemeClr val="bg1"/>
-          </a:solidFill>
-          <a:ln w="12700">
-            <a:solidFill>
-              <a:schemeClr val="accent1">
-                <a:lumMod val="75000"/>
-              </a:schemeClr>
-            </a:solidFill>
-          </a:ln>
-          <a:effectLst/>
-        </p:spPr>
-        <p:txBody>
-          <a:bodyPr wrap="square" lIns="182880" tIns="182880" rIns="182880" bIns="182880">
-            <a:spAutoFit/>
-          </a:bodyPr>
-          <a:lstStyle>
-            <a:lvl1pPr eaLnBrk="0" hangingPunct="0">
-              <a:defRPr sz="2200">
-                <a:solidFill>
-                  <a:schemeClr val="tx1"/>
-                </a:solidFill>
-                <a:latin typeface="Arial" charset="0"/>
-              </a:defRPr>
-            </a:lvl1pPr>
-            <a:lvl2pPr marL="742950" indent="-285750" eaLnBrk="0" hangingPunct="0">
-              <a:defRPr sz="2200">
-                <a:solidFill>
-                  <a:schemeClr val="tx1"/>
-                </a:solidFill>
-                <a:latin typeface="Arial" charset="0"/>
-              </a:defRPr>
-            </a:lvl2pPr>
-            <a:lvl3pPr marL="1143000" indent="-228600" eaLnBrk="0" hangingPunct="0">
-              <a:defRPr sz="2200">
-                <a:solidFill>
-                  <a:schemeClr val="tx1"/>
-                </a:solidFill>
-                <a:latin typeface="Arial" charset="0"/>
-              </a:defRPr>
-            </a:lvl3pPr>
-            <a:lvl4pPr marL="1600200" indent="-228600" eaLnBrk="0" hangingPunct="0">
-              <a:defRPr sz="2200">
-                <a:solidFill>
-                  <a:schemeClr val="tx1"/>
-                </a:solidFill>
-                <a:latin typeface="Arial" charset="0"/>
-              </a:defRPr>
-            </a:lvl4pPr>
-            <a:lvl5pPr marL="2057400" indent="-228600" eaLnBrk="0" hangingPunct="0">
-              <a:defRPr sz="2200">
-                <a:solidFill>
-                  <a:schemeClr val="tx1"/>
-                </a:solidFill>
-                <a:latin typeface="Arial" charset="0"/>
-              </a:defRPr>
-            </a:lvl5pPr>
-            <a:lvl6pPr marL="2514600" indent="-228600" eaLnBrk="0" fontAlgn="base" hangingPunct="0">
-              <a:spcBef>
-                <a:spcPct val="0"/>
-              </a:spcBef>
-              <a:spcAft>
-                <a:spcPct val="0"/>
-              </a:spcAft>
-              <a:defRPr sz="2200">
-                <a:solidFill>
-                  <a:schemeClr val="tx1"/>
-                </a:solidFill>
-                <a:latin typeface="Arial" charset="0"/>
-              </a:defRPr>
-            </a:lvl6pPr>
-            <a:lvl7pPr marL="2971800" indent="-228600" eaLnBrk="0" fontAlgn="base" hangingPunct="0">
-              <a:spcBef>
-                <a:spcPct val="0"/>
-              </a:spcBef>
-              <a:spcAft>
-                <a:spcPct val="0"/>
-              </a:spcAft>
-              <a:defRPr sz="2200">
-                <a:solidFill>
-                  <a:schemeClr val="tx1"/>
-                </a:solidFill>
-                <a:latin typeface="Arial" charset="0"/>
-              </a:defRPr>
-            </a:lvl7pPr>
-            <a:lvl8pPr marL="3429000" indent="-228600" eaLnBrk="0" fontAlgn="base" hangingPunct="0">
-              <a:spcBef>
-                <a:spcPct val="0"/>
-              </a:spcBef>
-              <a:spcAft>
-                <a:spcPct val="0"/>
-              </a:spcAft>
-              <a:defRPr sz="2200">
-                <a:solidFill>
-                  <a:schemeClr val="tx1"/>
-                </a:solidFill>
-                <a:latin typeface="Arial" charset="0"/>
-              </a:defRPr>
-            </a:lvl8pPr>
-            <a:lvl9pPr marL="3886200" indent="-228600" eaLnBrk="0" fontAlgn="base" hangingPunct="0">
-              <a:spcBef>
-                <a:spcPct val="0"/>
-              </a:spcBef>
-              <a:spcAft>
-                <a:spcPct val="0"/>
-              </a:spcAft>
-              <a:defRPr sz="2200">
-                <a:solidFill>
-                  <a:schemeClr val="tx1"/>
-                </a:solidFill>
-                <a:latin typeface="Arial" charset="0"/>
-              </a:defRPr>
-            </a:lvl9pPr>
-          </a:lstStyle>
-          <a:p>
-            <a:pPr eaLnBrk="1" hangingPunct="1"/>
-            <a:r>
-              <a:rPr lang="en-US" sz="3200" dirty="0">
-                <a:latin typeface="Calibri" pitchFamily="34" charset="0"/>
-              </a:rPr>
-              <a:t>Click here to insert your Results text. Type it in or copy and paste from your Word document or other source.</a:t>
-            </a:r>
-          </a:p>
-          <a:p>
-            <a:pPr eaLnBrk="1" hangingPunct="1"/>
-            <a:endParaRPr lang="en-US" sz="3200" dirty="0">
-              <a:latin typeface="Calibri" pitchFamily="34" charset="0"/>
-            </a:endParaRPr>
-          </a:p>
-          <a:p>
-            <a:pPr eaLnBrk="1" hangingPunct="1"/>
-            <a:r>
-              <a:rPr lang="en-US" sz="3200" dirty="0">
-                <a:latin typeface="Calibri" pitchFamily="34" charset="0"/>
-              </a:rPr>
-              <a:t>This text box will automatically re-size to your text. To turn off that feature, right click inside this box and go to </a:t>
-            </a:r>
-            <a:r>
-              <a:rPr lang="en-US" sz="3200" b="1" dirty="0">
-                <a:latin typeface="Calibri" pitchFamily="34" charset="0"/>
-              </a:rPr>
-              <a:t>Format Shape, Text Box, Autofit</a:t>
-            </a:r>
-            <a:r>
-              <a:rPr lang="en-US" sz="3200" dirty="0">
-                <a:latin typeface="Calibri" pitchFamily="34" charset="0"/>
-              </a:rPr>
-              <a:t>, and select the “Do Not Autofit” radio button.</a:t>
-            </a:r>
-          </a:p>
-          <a:p>
-            <a:pPr eaLnBrk="1" hangingPunct="1"/>
-            <a:endParaRPr lang="en-US" sz="3200" dirty="0">
-              <a:latin typeface="Calibri" pitchFamily="34" charset="0"/>
-            </a:endParaRPr>
-          </a:p>
-          <a:p>
-            <a:pPr eaLnBrk="1" hangingPunct="1"/>
-            <a:r>
-              <a:rPr lang="en-US" sz="3200" dirty="0">
-                <a:latin typeface="Calibri" pitchFamily="34" charset="0"/>
-              </a:rPr>
-              <a:t>To change the font style of this text box: Click on the border once to highlight the entire text box, then select a different font or font size that suits you. This text is Calibri 32pt and is easily read up to 4 feet away on a 48x36 poster.</a:t>
-            </a:r>
-          </a:p>
-          <a:p>
-            <a:pPr eaLnBrk="1" hangingPunct="1"/>
-            <a:endParaRPr lang="en-US" sz="3200" dirty="0">
-              <a:latin typeface="Calibri" pitchFamily="34" charset="0"/>
-            </a:endParaRPr>
-          </a:p>
-          <a:p>
-            <a:pPr eaLnBrk="1" hangingPunct="1"/>
-            <a:r>
-              <a:rPr lang="en-US" sz="3200" dirty="0">
-                <a:latin typeface="Calibri" pitchFamily="34" charset="0"/>
-              </a:rPr>
-              <a:t>Zoom out to 100% to preview what this will look like on your printed poster.</a:t>
-            </a:r>
-          </a:p>
-          <a:p>
-            <a:pPr eaLnBrk="1" hangingPunct="1"/>
-            <a:endParaRPr lang="en-US" sz="3200" dirty="0">
-              <a:latin typeface="Calibri" pitchFamily="34" charset="0"/>
-            </a:endParaRPr>
-          </a:p>
-          <a:p>
-            <a:pPr eaLnBrk="1" hangingPunct="1"/>
-            <a:r>
-              <a:rPr lang="en-US" sz="3200" dirty="0">
-                <a:latin typeface="Calibri" pitchFamily="34" charset="0"/>
-              </a:rPr>
-              <a:t>Speaking of Results, yours will look better if you remember to run a spell-check on your poster! After you’ve added your content click on </a:t>
-            </a:r>
-            <a:r>
-              <a:rPr lang="en-US" sz="3200" b="1" dirty="0">
-                <a:latin typeface="Calibri" pitchFamily="34" charset="0"/>
-              </a:rPr>
-              <a:t>Review</a:t>
-            </a:r>
-            <a:r>
-              <a:rPr lang="en-US" sz="3200" dirty="0">
-                <a:latin typeface="Calibri" pitchFamily="34" charset="0"/>
-              </a:rPr>
-              <a:t>, </a:t>
-            </a:r>
-            <a:r>
-              <a:rPr lang="en-US" sz="3200" b="1" dirty="0">
-                <a:latin typeface="Calibri" pitchFamily="34" charset="0"/>
-              </a:rPr>
-              <a:t>Spelling</a:t>
-            </a:r>
-            <a:r>
-              <a:rPr lang="en-US" sz="3200" dirty="0">
-                <a:latin typeface="Calibri" pitchFamily="34" charset="0"/>
-              </a:rPr>
-              <a:t>, or press F7.</a:t>
-            </a:r>
-          </a:p>
-        </p:txBody>
-      </p:sp>
-      <p:sp>
-        <p:nvSpPr>
           <p:cNvPr id="33" name="Rectangle 32"/>
           <p:cNvSpPr/>
           <p:nvPr/>
         </p:nvSpPr>
         <p:spPr>
           <a:xfrm>
-            <a:off x="1025524" y="14122569"/>
+            <a:off x="1101724" y="13005137"/>
             <a:ext cx="14976476" cy="1015663"/>
           </a:xfrm>
           <a:prstGeom prst="rect">
@@ -3764,461 +3203,7 @@
                   </a:schemeClr>
                 </a:solidFill>
               </a:rPr>
-              <a:t>Introduction</a:t>
-            </a:r>
-          </a:p>
-        </p:txBody>
-      </p:sp>
-      <p:sp>
-        <p:nvSpPr>
-          <p:cNvPr id="13" name="Text Box 192"/>
-          <p:cNvSpPr txBox="1">
-            <a:spLocks noChangeArrowheads="1"/>
-          </p:cNvSpPr>
-          <p:nvPr/>
-        </p:nvSpPr>
-        <p:spPr bwMode="auto">
-          <a:xfrm>
-            <a:off x="1025524" y="31546800"/>
-            <a:ext cx="14976476" cy="6278642"/>
-          </a:xfrm>
-          <a:prstGeom prst="rect">
-            <a:avLst/>
-          </a:prstGeom>
-          <a:solidFill>
-            <a:schemeClr val="bg1"/>
-          </a:solidFill>
-          <a:ln w="12700">
-            <a:solidFill>
-              <a:schemeClr val="accent1">
-                <a:lumMod val="75000"/>
-              </a:schemeClr>
-            </a:solidFill>
-          </a:ln>
-          <a:effectLst/>
-        </p:spPr>
-        <p:txBody>
-          <a:bodyPr wrap="square" lIns="182880" tIns="182880" rIns="182880" bIns="182880">
-            <a:spAutoFit/>
-          </a:bodyPr>
-          <a:lstStyle>
-            <a:lvl1pPr eaLnBrk="0" hangingPunct="0">
-              <a:defRPr sz="2200">
-                <a:solidFill>
-                  <a:schemeClr val="tx1"/>
-                </a:solidFill>
-                <a:latin typeface="Arial" charset="0"/>
-              </a:defRPr>
-            </a:lvl1pPr>
-            <a:lvl2pPr marL="742950" indent="-285750" eaLnBrk="0" hangingPunct="0">
-              <a:defRPr sz="2200">
-                <a:solidFill>
-                  <a:schemeClr val="tx1"/>
-                </a:solidFill>
-                <a:latin typeface="Arial" charset="0"/>
-              </a:defRPr>
-            </a:lvl2pPr>
-            <a:lvl3pPr marL="1143000" indent="-228600" eaLnBrk="0" hangingPunct="0">
-              <a:defRPr sz="2200">
-                <a:solidFill>
-                  <a:schemeClr val="tx1"/>
-                </a:solidFill>
-                <a:latin typeface="Arial" charset="0"/>
-              </a:defRPr>
-            </a:lvl3pPr>
-            <a:lvl4pPr marL="1600200" indent="-228600" eaLnBrk="0" hangingPunct="0">
-              <a:defRPr sz="2200">
-                <a:solidFill>
-                  <a:schemeClr val="tx1"/>
-                </a:solidFill>
-                <a:latin typeface="Arial" charset="0"/>
-              </a:defRPr>
-            </a:lvl4pPr>
-            <a:lvl5pPr marL="2057400" indent="-228600" eaLnBrk="0" hangingPunct="0">
-              <a:defRPr sz="2200">
-                <a:solidFill>
-                  <a:schemeClr val="tx1"/>
-                </a:solidFill>
-                <a:latin typeface="Arial" charset="0"/>
-              </a:defRPr>
-            </a:lvl5pPr>
-            <a:lvl6pPr marL="2514600" indent="-228600" eaLnBrk="0" fontAlgn="base" hangingPunct="0">
-              <a:spcBef>
-                <a:spcPct val="0"/>
-              </a:spcBef>
-              <a:spcAft>
-                <a:spcPct val="0"/>
-              </a:spcAft>
-              <a:defRPr sz="2200">
-                <a:solidFill>
-                  <a:schemeClr val="tx1"/>
-                </a:solidFill>
-                <a:latin typeface="Arial" charset="0"/>
-              </a:defRPr>
-            </a:lvl6pPr>
-            <a:lvl7pPr marL="2971800" indent="-228600" eaLnBrk="0" fontAlgn="base" hangingPunct="0">
-              <a:spcBef>
-                <a:spcPct val="0"/>
-              </a:spcBef>
-              <a:spcAft>
-                <a:spcPct val="0"/>
-              </a:spcAft>
-              <a:defRPr sz="2200">
-                <a:solidFill>
-                  <a:schemeClr val="tx1"/>
-                </a:solidFill>
-                <a:latin typeface="Arial" charset="0"/>
-              </a:defRPr>
-            </a:lvl7pPr>
-            <a:lvl8pPr marL="3429000" indent="-228600" eaLnBrk="0" fontAlgn="base" hangingPunct="0">
-              <a:spcBef>
-                <a:spcPct val="0"/>
-              </a:spcBef>
-              <a:spcAft>
-                <a:spcPct val="0"/>
-              </a:spcAft>
-              <a:defRPr sz="2200">
-                <a:solidFill>
-                  <a:schemeClr val="tx1"/>
-                </a:solidFill>
-                <a:latin typeface="Arial" charset="0"/>
-              </a:defRPr>
-            </a:lvl8pPr>
-            <a:lvl9pPr marL="3886200" indent="-228600" eaLnBrk="0" fontAlgn="base" hangingPunct="0">
-              <a:spcBef>
-                <a:spcPct val="0"/>
-              </a:spcBef>
-              <a:spcAft>
-                <a:spcPct val="0"/>
-              </a:spcAft>
-              <a:defRPr sz="2200">
-                <a:solidFill>
-                  <a:schemeClr val="tx1"/>
-                </a:solidFill>
-                <a:latin typeface="Arial" charset="0"/>
-              </a:defRPr>
-            </a:lvl9pPr>
-          </a:lstStyle>
-          <a:p>
-            <a:pPr eaLnBrk="1" hangingPunct="1"/>
-            <a:r>
-              <a:rPr lang="en-US" sz="3200" dirty="0">
-                <a:latin typeface="Calibri" pitchFamily="34" charset="0"/>
-              </a:rPr>
-              <a:t>Click here to insert your Methods and Materials text. Type it in or copy and paste from your Word document or other source.</a:t>
-            </a:r>
-          </a:p>
-          <a:p>
-            <a:pPr eaLnBrk="1" hangingPunct="1"/>
-            <a:endParaRPr lang="en-US" sz="3200" dirty="0">
-              <a:latin typeface="Calibri" pitchFamily="34" charset="0"/>
-            </a:endParaRPr>
-          </a:p>
-          <a:p>
-            <a:pPr eaLnBrk="1" hangingPunct="1"/>
-            <a:r>
-              <a:rPr lang="en-US" sz="3200" dirty="0">
-                <a:latin typeface="Calibri" pitchFamily="34" charset="0"/>
-              </a:rPr>
-              <a:t>This text box will automatically re-size to your text. To turn off that feature, right click inside this box and go to </a:t>
-            </a:r>
-            <a:r>
-              <a:rPr lang="en-US" sz="3200" b="1" dirty="0">
-                <a:latin typeface="Calibri" pitchFamily="34" charset="0"/>
-              </a:rPr>
-              <a:t>Format Shape, Text Box, Autofit</a:t>
-            </a:r>
-            <a:r>
-              <a:rPr lang="en-US" sz="3200" dirty="0">
-                <a:latin typeface="Calibri" pitchFamily="34" charset="0"/>
-              </a:rPr>
-              <a:t>, and select the “Do Not Autofit” radio button.</a:t>
-            </a:r>
-          </a:p>
-          <a:p>
-            <a:pPr eaLnBrk="1" hangingPunct="1"/>
-            <a:endParaRPr lang="en-US" sz="3200" dirty="0">
-              <a:latin typeface="Calibri" pitchFamily="34" charset="0"/>
-            </a:endParaRPr>
-          </a:p>
-          <a:p>
-            <a:pPr eaLnBrk="1" hangingPunct="1"/>
-            <a:r>
-              <a:rPr lang="en-US" sz="3200" dirty="0">
-                <a:latin typeface="Calibri" pitchFamily="34" charset="0"/>
-              </a:rPr>
-              <a:t>To change the font style of this text box: Click on the border once to highlight the entire text box, then select a different font or font size that suits you. This text is Calibri 32pt and is easily read up to 4 feet away on a 48x36 poster.</a:t>
-            </a:r>
-          </a:p>
-          <a:p>
-            <a:pPr eaLnBrk="1" hangingPunct="1"/>
-            <a:endParaRPr lang="en-US" sz="3200" dirty="0">
-              <a:latin typeface="Calibri" pitchFamily="34" charset="0"/>
-            </a:endParaRPr>
-          </a:p>
-          <a:p>
-            <a:pPr eaLnBrk="1" hangingPunct="1"/>
-            <a:r>
-              <a:rPr lang="en-US" sz="3200" dirty="0">
-                <a:latin typeface="Calibri" pitchFamily="34" charset="0"/>
-              </a:rPr>
-              <a:t>Zoom out to 100% to preview what this will look like on your printed poster.</a:t>
-            </a:r>
-          </a:p>
-        </p:txBody>
-      </p:sp>
-      <p:sp>
-        <p:nvSpPr>
-          <p:cNvPr id="34" name="Rectangle 33"/>
-          <p:cNvSpPr/>
-          <p:nvPr/>
-        </p:nvSpPr>
-        <p:spPr>
-          <a:xfrm>
-            <a:off x="1025524" y="30581769"/>
-            <a:ext cx="14976476" cy="1015663"/>
-          </a:xfrm>
-          <a:prstGeom prst="rect">
-            <a:avLst/>
-          </a:prstGeom>
-          <a:solidFill>
-            <a:schemeClr val="accent1">
-              <a:lumMod val="75000"/>
-            </a:schemeClr>
-          </a:solidFill>
-          <a:ln w="12700"/>
-        </p:spPr>
-        <p:style>
-          <a:lnRef idx="2">
-            <a:schemeClr val="accent1">
-              <a:shade val="50000"/>
-            </a:schemeClr>
-          </a:lnRef>
-          <a:fillRef idx="1">
-            <a:schemeClr val="accent1"/>
-          </a:fillRef>
-          <a:effectRef idx="0">
-            <a:schemeClr val="accent1"/>
-          </a:effectRef>
-          <a:fontRef idx="minor">
-            <a:schemeClr val="lt1"/>
-          </a:fontRef>
-        </p:style>
-        <p:txBody>
-          <a:bodyPr wrap="square" rtlCol="0" anchor="ctr">
-            <a:spAutoFit/>
-          </a:bodyPr>
-          <a:lstStyle/>
-          <a:p>
-            <a:pPr algn="ctr"/>
-            <a:r>
-              <a:rPr lang="en-US" sz="6000" b="1" dirty="0">
-                <a:solidFill>
-                  <a:schemeClr val="accent3">
-                    <a:lumMod val="20000"/>
-                    <a:lumOff val="80000"/>
-                  </a:schemeClr>
-                </a:solidFill>
-              </a:rPr>
-              <a:t>Methods and Materials</a:t>
-            </a:r>
-          </a:p>
-        </p:txBody>
-      </p:sp>
-      <p:sp>
-        <p:nvSpPr>
-          <p:cNvPr id="12" name="Text Box 191"/>
-          <p:cNvSpPr txBox="1">
-            <a:spLocks noChangeArrowheads="1"/>
-          </p:cNvSpPr>
-          <p:nvPr/>
-        </p:nvSpPr>
-        <p:spPr bwMode="auto">
-          <a:xfrm>
-            <a:off x="16916400" y="23058358"/>
-            <a:ext cx="14935200" cy="6278642"/>
-          </a:xfrm>
-          <a:prstGeom prst="rect">
-            <a:avLst/>
-          </a:prstGeom>
-          <a:solidFill>
-            <a:schemeClr val="bg1"/>
-          </a:solidFill>
-          <a:ln w="12700">
-            <a:solidFill>
-              <a:schemeClr val="accent1">
-                <a:lumMod val="75000"/>
-              </a:schemeClr>
-            </a:solidFill>
-          </a:ln>
-          <a:effectLst/>
-        </p:spPr>
-        <p:txBody>
-          <a:bodyPr wrap="square" lIns="182880" tIns="182880" rIns="182880" bIns="182880">
-            <a:spAutoFit/>
-          </a:bodyPr>
-          <a:lstStyle>
-            <a:lvl1pPr eaLnBrk="0" hangingPunct="0">
-              <a:defRPr sz="2200">
-                <a:solidFill>
-                  <a:schemeClr val="tx1"/>
-                </a:solidFill>
-                <a:latin typeface="Arial" charset="0"/>
-              </a:defRPr>
-            </a:lvl1pPr>
-            <a:lvl2pPr marL="742950" indent="-285750" eaLnBrk="0" hangingPunct="0">
-              <a:defRPr sz="2200">
-                <a:solidFill>
-                  <a:schemeClr val="tx1"/>
-                </a:solidFill>
-                <a:latin typeface="Arial" charset="0"/>
-              </a:defRPr>
-            </a:lvl2pPr>
-            <a:lvl3pPr marL="1143000" indent="-228600" eaLnBrk="0" hangingPunct="0">
-              <a:defRPr sz="2200">
-                <a:solidFill>
-                  <a:schemeClr val="tx1"/>
-                </a:solidFill>
-                <a:latin typeface="Arial" charset="0"/>
-              </a:defRPr>
-            </a:lvl3pPr>
-            <a:lvl4pPr marL="1600200" indent="-228600" eaLnBrk="0" hangingPunct="0">
-              <a:defRPr sz="2200">
-                <a:solidFill>
-                  <a:schemeClr val="tx1"/>
-                </a:solidFill>
-                <a:latin typeface="Arial" charset="0"/>
-              </a:defRPr>
-            </a:lvl4pPr>
-            <a:lvl5pPr marL="2057400" indent="-228600" eaLnBrk="0" hangingPunct="0">
-              <a:defRPr sz="2200">
-                <a:solidFill>
-                  <a:schemeClr val="tx1"/>
-                </a:solidFill>
-                <a:latin typeface="Arial" charset="0"/>
-              </a:defRPr>
-            </a:lvl5pPr>
-            <a:lvl6pPr marL="2514600" indent="-228600" eaLnBrk="0" fontAlgn="base" hangingPunct="0">
-              <a:spcBef>
-                <a:spcPct val="0"/>
-              </a:spcBef>
-              <a:spcAft>
-                <a:spcPct val="0"/>
-              </a:spcAft>
-              <a:defRPr sz="2200">
-                <a:solidFill>
-                  <a:schemeClr val="tx1"/>
-                </a:solidFill>
-                <a:latin typeface="Arial" charset="0"/>
-              </a:defRPr>
-            </a:lvl6pPr>
-            <a:lvl7pPr marL="2971800" indent="-228600" eaLnBrk="0" fontAlgn="base" hangingPunct="0">
-              <a:spcBef>
-                <a:spcPct val="0"/>
-              </a:spcBef>
-              <a:spcAft>
-                <a:spcPct val="0"/>
-              </a:spcAft>
-              <a:defRPr sz="2200">
-                <a:solidFill>
-                  <a:schemeClr val="tx1"/>
-                </a:solidFill>
-                <a:latin typeface="Arial" charset="0"/>
-              </a:defRPr>
-            </a:lvl7pPr>
-            <a:lvl8pPr marL="3429000" indent="-228600" eaLnBrk="0" fontAlgn="base" hangingPunct="0">
-              <a:spcBef>
-                <a:spcPct val="0"/>
-              </a:spcBef>
-              <a:spcAft>
-                <a:spcPct val="0"/>
-              </a:spcAft>
-              <a:defRPr sz="2200">
-                <a:solidFill>
-                  <a:schemeClr val="tx1"/>
-                </a:solidFill>
-                <a:latin typeface="Arial" charset="0"/>
-              </a:defRPr>
-            </a:lvl8pPr>
-            <a:lvl9pPr marL="3886200" indent="-228600" eaLnBrk="0" fontAlgn="base" hangingPunct="0">
-              <a:spcBef>
-                <a:spcPct val="0"/>
-              </a:spcBef>
-              <a:spcAft>
-                <a:spcPct val="0"/>
-              </a:spcAft>
-              <a:defRPr sz="2200">
-                <a:solidFill>
-                  <a:schemeClr val="tx1"/>
-                </a:solidFill>
-                <a:latin typeface="Arial" charset="0"/>
-              </a:defRPr>
-            </a:lvl9pPr>
-          </a:lstStyle>
-          <a:p>
-            <a:pPr eaLnBrk="1" hangingPunct="1"/>
-            <a:r>
-              <a:rPr lang="en-US" sz="3200" dirty="0">
-                <a:latin typeface="Calibri" pitchFamily="34" charset="0"/>
-              </a:rPr>
-              <a:t>Click here to insert your Discussion text. Type it in or copy and paste from your Word document or other source.</a:t>
-            </a:r>
-          </a:p>
-          <a:p>
-            <a:pPr eaLnBrk="1" hangingPunct="1"/>
-            <a:endParaRPr lang="en-US" sz="3200" dirty="0">
-              <a:latin typeface="Calibri" pitchFamily="34" charset="0"/>
-            </a:endParaRPr>
-          </a:p>
-          <a:p>
-            <a:pPr eaLnBrk="1" hangingPunct="1"/>
-            <a:r>
-              <a:rPr lang="en-US" sz="3200" dirty="0">
-                <a:latin typeface="Calibri" pitchFamily="34" charset="0"/>
-              </a:rPr>
-              <a:t>This text box will automatically re-size to your text. To turn off that feature, right click inside this box and go to </a:t>
-            </a:r>
-            <a:r>
-              <a:rPr lang="en-US" sz="3200" b="1" dirty="0">
-                <a:latin typeface="Calibri" pitchFamily="34" charset="0"/>
-              </a:rPr>
-              <a:t>Format Shape, Text Box, Autofit</a:t>
-            </a:r>
-            <a:r>
-              <a:rPr lang="en-US" sz="3200" dirty="0">
-                <a:latin typeface="Calibri" pitchFamily="34" charset="0"/>
-              </a:rPr>
-              <a:t>, and select the “Do Not Autofit” radio button.</a:t>
-            </a:r>
-          </a:p>
-          <a:p>
-            <a:pPr eaLnBrk="1" hangingPunct="1"/>
-            <a:endParaRPr lang="en-US" sz="3200" dirty="0">
-              <a:latin typeface="Calibri" pitchFamily="34" charset="0"/>
-            </a:endParaRPr>
-          </a:p>
-          <a:p>
-            <a:pPr eaLnBrk="1" hangingPunct="1"/>
-            <a:r>
-              <a:rPr lang="en-US" sz="3200" dirty="0">
-                <a:latin typeface="Calibri" pitchFamily="34" charset="0"/>
-              </a:rPr>
-              <a:t>To change the font style of this text box: Click on the border once to highlight the entire text box, then select a different font or font size that suits you. This text is Calibri 32pt and is easily read up to 4 feet away on a 48x36 poster.</a:t>
-            </a:r>
-          </a:p>
-          <a:p>
-            <a:pPr eaLnBrk="1" hangingPunct="1"/>
-            <a:endParaRPr lang="en-US" sz="3200" dirty="0">
-              <a:latin typeface="Calibri" pitchFamily="34" charset="0"/>
-            </a:endParaRPr>
-          </a:p>
-          <a:p>
-            <a:pPr eaLnBrk="1" hangingPunct="1"/>
-            <a:r>
-              <a:rPr lang="en-US" sz="3200" dirty="0">
-                <a:latin typeface="Calibri" pitchFamily="34" charset="0"/>
-              </a:rPr>
-              <a:t>Zoom out to 100% to preview what this will look like on your printed poster.</a:t>
+              <a:t>Problem</a:t>
             </a:r>
           </a:p>
         </p:txBody>
@@ -4231,7 +3216,7 @@
         </p:nvSpPr>
         <p:spPr>
           <a:xfrm>
-            <a:off x="16916400" y="22143958"/>
+            <a:off x="16764000" y="29337000"/>
             <a:ext cx="14935200" cy="914400"/>
           </a:xfrm>
           <a:prstGeom prst="rect">
@@ -4289,8 +3274,8 @@
         </p:nvSpPr>
         <p:spPr bwMode="auto">
           <a:xfrm>
-            <a:off x="16916400" y="34501455"/>
-            <a:ext cx="14935200" cy="3323987"/>
+            <a:off x="16764000" y="34442400"/>
+            <a:ext cx="14935200" cy="3816429"/>
           </a:xfrm>
           <a:prstGeom prst="rect">
             <a:avLst/>
@@ -4415,7 +3400,7 @@
               <a:rPr lang="en-US" sz="3200" dirty="0">
                 <a:latin typeface="Calibri" pitchFamily="34" charset="0"/>
               </a:rPr>
-              <a:t>Click here to insert your Conclusions text. Type it in or copy and paste from your Word document or other source.</a:t>
+              <a:t>It can be seen that the MPI communication time far exceeds the useful computation portion of the program, despite our best attempts to reduce such overhead. </a:t>
             </a:r>
           </a:p>
           <a:p>
@@ -4430,19 +3415,19 @@
               <a:rPr lang="en-US" sz="3200" dirty="0">
                 <a:latin typeface="Calibri" pitchFamily="34" charset="0"/>
               </a:rPr>
-              <a:t>This text box will automatically re-size to your text. To turn off that feature, right click inside this box and go to </a:t>
-            </a:r>
-            <a:r>
-              <a:rPr lang="en-US" sz="3200" b="1" dirty="0">
-                <a:latin typeface="Calibri" pitchFamily="34" charset="0"/>
-              </a:rPr>
-              <a:t>Format Shape, Text Box, Autofit</a:t>
+              <a:t>The equations seen above represent the MPI overhead as a function of process count and matrix rows and non-zeros. In all cases, including the </a:t>
+            </a:r>
+            <a:r>
+              <a:rPr lang="en-US" sz="3200" b="1" i="1" dirty="0">
+                <a:latin typeface="Calibri" pitchFamily="34" charset="0"/>
+              </a:rPr>
+              <a:t>oracle, </a:t>
             </a:r>
             <a:r>
               <a:rPr lang="en-US" sz="3200" dirty="0">
                 <a:latin typeface="Calibri" pitchFamily="34" charset="0"/>
               </a:rPr>
-              <a:t>, and select the “Do Not Autofit” radio button.</a:t>
+              <a:t>as p increases the number of non-zeros per row decreases, computational performance flattens out as communication becomes the primary factor driving process/node work load.</a:t>
             </a:r>
           </a:p>
         </p:txBody>
@@ -4455,7 +3440,7 @@
         </p:nvSpPr>
         <p:spPr>
           <a:xfrm>
-            <a:off x="16916400" y="33585912"/>
+            <a:off x="16764000" y="33451800"/>
             <a:ext cx="14935200" cy="914400"/>
           </a:xfrm>
           <a:prstGeom prst="rect">
@@ -4503,743 +3488,226 @@
           </a:p>
         </p:txBody>
       </p:sp>
-      <p:graphicFrame>
-        <p:nvGraphicFramePr>
-          <p:cNvPr id="44" name="Content Placeholder 114" descr="Sample table with 4 columns, 7 rows." title="Sample Table"/>
-          <p:cNvGraphicFramePr>
-            <a:graphicFrameLocks/>
-          </p:cNvGraphicFramePr>
-          <p:nvPr>
-            <p:extLst>
-              <p:ext uri="{D42A27DB-BD31-4B8C-83A1-F6EECF244321}">
-                <p14:modId xmlns:p14="http://schemas.microsoft.com/office/powerpoint/2010/main" val="2485396563"/>
-              </p:ext>
-            </p:extLst>
-          </p:nvPr>
-        </p:nvGraphicFramePr>
-        <p:xfrm>
-          <a:off x="1828800" y="26785680"/>
-          <a:ext cx="14173200" cy="3160920"/>
-        </p:xfrm>
-        <a:graphic>
-          <a:graphicData uri="http://schemas.openxmlformats.org/drawingml/2006/table">
-            <a:tbl>
-              <a:tblPr firstRow="1" bandRow="1">
-                <a:tableStyleId>{F5AB1C69-6EDB-4FF4-983F-18BD219EF322}</a:tableStyleId>
-              </a:tblPr>
-              <a:tblGrid>
-                <a:gridCol w="3543300">
-                  <a:extLst>
-                    <a:ext uri="{9D8B030D-6E8A-4147-A177-3AD203B41FA5}">
-                      <a16:colId xmlns:a16="http://schemas.microsoft.com/office/drawing/2014/main" val="20000"/>
-                    </a:ext>
-                  </a:extLst>
-                </a:gridCol>
-                <a:gridCol w="3543300">
-                  <a:extLst>
-                    <a:ext uri="{9D8B030D-6E8A-4147-A177-3AD203B41FA5}">
-                      <a16:colId xmlns:a16="http://schemas.microsoft.com/office/drawing/2014/main" val="20001"/>
-                    </a:ext>
-                  </a:extLst>
-                </a:gridCol>
-                <a:gridCol w="3543300">
-                  <a:extLst>
-                    <a:ext uri="{9D8B030D-6E8A-4147-A177-3AD203B41FA5}">
-                      <a16:colId xmlns:a16="http://schemas.microsoft.com/office/drawing/2014/main" val="20002"/>
-                    </a:ext>
-                  </a:extLst>
-                </a:gridCol>
-                <a:gridCol w="3543300">
-                  <a:extLst>
-                    <a:ext uri="{9D8B030D-6E8A-4147-A177-3AD203B41FA5}">
-                      <a16:colId xmlns:a16="http://schemas.microsoft.com/office/drawing/2014/main" val="20003"/>
-                    </a:ext>
-                  </a:extLst>
-                </a:gridCol>
-              </a:tblGrid>
-              <a:tr h="790230">
-                <a:tc>
-                  <a:txBody>
-                    <a:bodyPr/>
-                    <a:lstStyle/>
-                    <a:p>
-                      <a:endParaRPr lang="en-US" sz="3200" dirty="0"/>
-                    </a:p>
-                  </a:txBody>
-                  <a:tcPr anchor="ctr">
-                    <a:solidFill>
-                      <a:schemeClr val="accent1">
-                        <a:lumMod val="75000"/>
-                      </a:schemeClr>
-                    </a:solidFill>
-                  </a:tcPr>
-                </a:tc>
-                <a:tc>
-                  <a:txBody>
-                    <a:bodyPr/>
-                    <a:lstStyle/>
-                    <a:p>
-                      <a:pPr algn="ctr"/>
-                      <a:r>
-                        <a:rPr lang="en-US" sz="3200" dirty="0"/>
-                        <a:t>Heading</a:t>
-                      </a:r>
-                    </a:p>
-                  </a:txBody>
-                  <a:tcPr anchor="ctr">
-                    <a:solidFill>
-                      <a:schemeClr val="accent1">
-                        <a:lumMod val="75000"/>
-                      </a:schemeClr>
-                    </a:solidFill>
-                  </a:tcPr>
-                </a:tc>
-                <a:tc>
-                  <a:txBody>
-                    <a:bodyPr/>
-                    <a:lstStyle/>
-                    <a:p>
-                      <a:pPr algn="ctr"/>
-                      <a:r>
-                        <a:rPr lang="en-US" sz="3200" dirty="0"/>
-                        <a:t>Heading</a:t>
-                      </a:r>
-                    </a:p>
-                  </a:txBody>
-                  <a:tcPr anchor="ctr">
-                    <a:solidFill>
-                      <a:schemeClr val="accent1">
-                        <a:lumMod val="75000"/>
-                      </a:schemeClr>
-                    </a:solidFill>
-                  </a:tcPr>
-                </a:tc>
-                <a:tc>
-                  <a:txBody>
-                    <a:bodyPr/>
-                    <a:lstStyle/>
-                    <a:p>
-                      <a:pPr algn="ctr"/>
-                      <a:r>
-                        <a:rPr lang="en-US" sz="3200" dirty="0"/>
-                        <a:t>Heading</a:t>
-                      </a:r>
-                    </a:p>
-                  </a:txBody>
-                  <a:tcPr anchor="ctr">
-                    <a:solidFill>
-                      <a:schemeClr val="accent1">
-                        <a:lumMod val="75000"/>
-                      </a:schemeClr>
-                    </a:solidFill>
-                  </a:tcPr>
-                </a:tc>
-                <a:extLst>
-                  <a:ext uri="{0D108BD9-81ED-4DB2-BD59-A6C34878D82A}">
-                    <a16:rowId xmlns:a16="http://schemas.microsoft.com/office/drawing/2014/main" val="10000"/>
-                  </a:ext>
-                </a:extLst>
-              </a:tr>
-              <a:tr h="790230">
-                <a:tc>
-                  <a:txBody>
-                    <a:bodyPr/>
-                    <a:lstStyle/>
-                    <a:p>
-                      <a:r>
-                        <a:rPr lang="en-US" sz="3200" dirty="0"/>
-                        <a:t>Item</a:t>
-                      </a:r>
-                    </a:p>
-                  </a:txBody>
-                  <a:tcPr anchor="ctr"/>
-                </a:tc>
-                <a:tc>
-                  <a:txBody>
-                    <a:bodyPr/>
-                    <a:lstStyle/>
-                    <a:p>
-                      <a:pPr algn="ctr"/>
-                      <a:r>
-                        <a:rPr lang="en-US" sz="3200" dirty="0"/>
-                        <a:t>800</a:t>
-                      </a:r>
-                    </a:p>
-                  </a:txBody>
-                  <a:tcPr anchor="ctr"/>
-                </a:tc>
-                <a:tc>
-                  <a:txBody>
-                    <a:bodyPr/>
-                    <a:lstStyle/>
-                    <a:p>
-                      <a:pPr algn="ctr"/>
-                      <a:r>
-                        <a:rPr lang="en-US" sz="3200" dirty="0"/>
-                        <a:t>790</a:t>
-                      </a:r>
-                    </a:p>
-                  </a:txBody>
-                  <a:tcPr anchor="ctr"/>
-                </a:tc>
-                <a:tc>
-                  <a:txBody>
-                    <a:bodyPr/>
-                    <a:lstStyle/>
-                    <a:p>
-                      <a:pPr algn="ctr"/>
-                      <a:r>
-                        <a:rPr lang="en-US" sz="3200" dirty="0"/>
-                        <a:t>4001</a:t>
-                      </a:r>
-                    </a:p>
-                  </a:txBody>
-                  <a:tcPr anchor="ctr"/>
-                </a:tc>
-                <a:extLst>
-                  <a:ext uri="{0D108BD9-81ED-4DB2-BD59-A6C34878D82A}">
-                    <a16:rowId xmlns:a16="http://schemas.microsoft.com/office/drawing/2014/main" val="10001"/>
-                  </a:ext>
-                </a:extLst>
-              </a:tr>
-              <a:tr h="790230">
-                <a:tc>
-                  <a:txBody>
-                    <a:bodyPr/>
-                    <a:lstStyle/>
-                    <a:p>
-                      <a:r>
-                        <a:rPr lang="en-US" sz="3200" dirty="0"/>
-                        <a:t>Item</a:t>
-                      </a:r>
-                    </a:p>
-                  </a:txBody>
-                  <a:tcPr anchor="ctr"/>
-                </a:tc>
-                <a:tc>
-                  <a:txBody>
-                    <a:bodyPr/>
-                    <a:lstStyle/>
-                    <a:p>
-                      <a:pPr algn="ctr"/>
-                      <a:r>
-                        <a:rPr lang="en-US" sz="3200" dirty="0"/>
-                        <a:t>356</a:t>
-                      </a:r>
-                    </a:p>
-                  </a:txBody>
-                  <a:tcPr anchor="ctr"/>
-                </a:tc>
-                <a:tc>
-                  <a:txBody>
-                    <a:bodyPr/>
-                    <a:lstStyle/>
-                    <a:p>
-                      <a:pPr algn="ctr"/>
-                      <a:r>
-                        <a:rPr lang="en-US" sz="3200" dirty="0"/>
-                        <a:t>856</a:t>
-                      </a:r>
-                    </a:p>
-                  </a:txBody>
-                  <a:tcPr anchor="ctr"/>
-                </a:tc>
-                <a:tc>
-                  <a:txBody>
-                    <a:bodyPr/>
-                    <a:lstStyle/>
-                    <a:p>
-                      <a:pPr algn="ctr"/>
-                      <a:r>
-                        <a:rPr lang="en-US" sz="3200" dirty="0"/>
-                        <a:t>290</a:t>
-                      </a:r>
-                    </a:p>
-                  </a:txBody>
-                  <a:tcPr anchor="ctr"/>
-                </a:tc>
-                <a:extLst>
-                  <a:ext uri="{0D108BD9-81ED-4DB2-BD59-A6C34878D82A}">
-                    <a16:rowId xmlns:a16="http://schemas.microsoft.com/office/drawing/2014/main" val="10002"/>
-                  </a:ext>
-                </a:extLst>
-              </a:tr>
-              <a:tr h="790230">
-                <a:tc>
-                  <a:txBody>
-                    <a:bodyPr/>
-                    <a:lstStyle/>
-                    <a:p>
-                      <a:r>
-                        <a:rPr lang="en-US" sz="3200" dirty="0"/>
-                        <a:t>Item</a:t>
-                      </a:r>
-                    </a:p>
-                  </a:txBody>
-                  <a:tcPr anchor="ctr"/>
-                </a:tc>
-                <a:tc>
-                  <a:txBody>
-                    <a:bodyPr/>
-                    <a:lstStyle/>
-                    <a:p>
-                      <a:pPr algn="ctr"/>
-                      <a:r>
-                        <a:rPr lang="en-US" sz="3200" dirty="0"/>
-                        <a:t>228</a:t>
-                      </a:r>
-                    </a:p>
-                  </a:txBody>
-                  <a:tcPr anchor="ctr"/>
-                </a:tc>
-                <a:tc>
-                  <a:txBody>
-                    <a:bodyPr/>
-                    <a:lstStyle/>
-                    <a:p>
-                      <a:pPr algn="ctr"/>
-                      <a:r>
-                        <a:rPr lang="en-US" sz="3200" dirty="0"/>
-                        <a:t>134</a:t>
-                      </a:r>
-                    </a:p>
-                  </a:txBody>
-                  <a:tcPr anchor="ctr"/>
-                </a:tc>
-                <a:tc>
-                  <a:txBody>
-                    <a:bodyPr/>
-                    <a:lstStyle/>
-                    <a:p>
-                      <a:pPr algn="ctr"/>
-                      <a:r>
-                        <a:rPr lang="en-US" sz="3200" dirty="0"/>
-                        <a:t>238</a:t>
-                      </a:r>
-                    </a:p>
-                  </a:txBody>
-                  <a:tcPr anchor="ctr"/>
-                </a:tc>
-                <a:extLst>
-                  <a:ext uri="{0D108BD9-81ED-4DB2-BD59-A6C34878D82A}">
-                    <a16:rowId xmlns:a16="http://schemas.microsoft.com/office/drawing/2014/main" val="10003"/>
-                  </a:ext>
-                </a:extLst>
-              </a:tr>
-            </a:tbl>
-          </a:graphicData>
-        </a:graphic>
-      </p:graphicFrame>
-      <mc:AlternateContent xmlns:mc="http://schemas.openxmlformats.org/markup-compatibility/2006" xmlns:a14="http://schemas.microsoft.com/office/drawing/2010/main">
-        <mc:Choice Requires="a14">
-          <p:sp>
-            <p:nvSpPr>
-              <p:cNvPr id="11" name="Text Box 190"/>
-              <p:cNvSpPr txBox="1">
-                <a:spLocks noChangeArrowheads="1"/>
-              </p:cNvSpPr>
-              <p:nvPr/>
-            </p:nvSpPr>
-            <p:spPr bwMode="auto">
-              <a:xfrm>
-                <a:off x="1025524" y="15087600"/>
-                <a:ext cx="14976476" cy="10744095"/>
-              </a:xfrm>
-              <a:prstGeom prst="rect">
-                <a:avLst/>
-              </a:prstGeom>
-              <a:solidFill>
-                <a:schemeClr val="bg1"/>
-              </a:solidFill>
-              <a:ln w="12700">
-                <a:solidFill>
-                  <a:schemeClr val="accent1">
-                    <a:lumMod val="75000"/>
-                  </a:schemeClr>
-                </a:solidFill>
-              </a:ln>
-              <a:effectLst/>
-            </p:spPr>
-            <p:txBody>
-              <a:bodyPr wrap="square" lIns="182880" tIns="182880" rIns="182880" bIns="182880">
-                <a:spAutoFit/>
-              </a:bodyPr>
-              <a:lstStyle>
-                <a:lvl1pPr eaLnBrk="0" hangingPunct="0">
-                  <a:defRPr sz="2200">
-                    <a:solidFill>
-                      <a:schemeClr val="tx1"/>
-                    </a:solidFill>
-                    <a:latin typeface="Arial" charset="0"/>
-                  </a:defRPr>
-                </a:lvl1pPr>
-                <a:lvl2pPr marL="742950" indent="-285750" eaLnBrk="0" hangingPunct="0">
-                  <a:defRPr sz="2200">
-                    <a:solidFill>
-                      <a:schemeClr val="tx1"/>
-                    </a:solidFill>
-                    <a:latin typeface="Arial" charset="0"/>
-                  </a:defRPr>
-                </a:lvl2pPr>
-                <a:lvl3pPr marL="1143000" indent="-228600" eaLnBrk="0" hangingPunct="0">
-                  <a:defRPr sz="2200">
-                    <a:solidFill>
-                      <a:schemeClr val="tx1"/>
-                    </a:solidFill>
-                    <a:latin typeface="Arial" charset="0"/>
-                  </a:defRPr>
-                </a:lvl3pPr>
-                <a:lvl4pPr marL="1600200" indent="-228600" eaLnBrk="0" hangingPunct="0">
-                  <a:defRPr sz="2200">
-                    <a:solidFill>
-                      <a:schemeClr val="tx1"/>
-                    </a:solidFill>
-                    <a:latin typeface="Arial" charset="0"/>
-                  </a:defRPr>
-                </a:lvl4pPr>
-                <a:lvl5pPr marL="2057400" indent="-228600" eaLnBrk="0" hangingPunct="0">
-                  <a:defRPr sz="2200">
-                    <a:solidFill>
-                      <a:schemeClr val="tx1"/>
-                    </a:solidFill>
-                    <a:latin typeface="Arial" charset="0"/>
-                  </a:defRPr>
-                </a:lvl5pPr>
-                <a:lvl6pPr marL="2514600" indent="-228600" eaLnBrk="0" fontAlgn="base" hangingPunct="0">
-                  <a:spcBef>
-                    <a:spcPct val="0"/>
-                  </a:spcBef>
-                  <a:spcAft>
-                    <a:spcPct val="0"/>
-                  </a:spcAft>
-                  <a:defRPr sz="2200">
-                    <a:solidFill>
-                      <a:schemeClr val="tx1"/>
-                    </a:solidFill>
-                    <a:latin typeface="Arial" charset="0"/>
-                  </a:defRPr>
-                </a:lvl6pPr>
-                <a:lvl7pPr marL="2971800" indent="-228600" eaLnBrk="0" fontAlgn="base" hangingPunct="0">
-                  <a:spcBef>
-                    <a:spcPct val="0"/>
-                  </a:spcBef>
-                  <a:spcAft>
-                    <a:spcPct val="0"/>
-                  </a:spcAft>
-                  <a:defRPr sz="2200">
-                    <a:solidFill>
-                      <a:schemeClr val="tx1"/>
-                    </a:solidFill>
-                    <a:latin typeface="Arial" charset="0"/>
-                  </a:defRPr>
-                </a:lvl7pPr>
-                <a:lvl8pPr marL="3429000" indent="-228600" eaLnBrk="0" fontAlgn="base" hangingPunct="0">
-                  <a:spcBef>
-                    <a:spcPct val="0"/>
-                  </a:spcBef>
-                  <a:spcAft>
-                    <a:spcPct val="0"/>
-                  </a:spcAft>
-                  <a:defRPr sz="2200">
-                    <a:solidFill>
-                      <a:schemeClr val="tx1"/>
-                    </a:solidFill>
-                    <a:latin typeface="Arial" charset="0"/>
-                  </a:defRPr>
-                </a:lvl8pPr>
-                <a:lvl9pPr marL="3886200" indent="-228600" eaLnBrk="0" fontAlgn="base" hangingPunct="0">
-                  <a:spcBef>
-                    <a:spcPct val="0"/>
-                  </a:spcBef>
-                  <a:spcAft>
-                    <a:spcPct val="0"/>
-                  </a:spcAft>
-                  <a:defRPr sz="2200">
-                    <a:solidFill>
-                      <a:schemeClr val="tx1"/>
-                    </a:solidFill>
-                    <a:latin typeface="Arial" charset="0"/>
-                  </a:defRPr>
-                </a:lvl9pPr>
-              </a:lstStyle>
-              <a:p>
-                <a:pPr eaLnBrk="1" hangingPunct="1"/>
-                <a:r>
-                  <a:rPr lang="en-US" sz="3200" b="1" dirty="0">
-                    <a:latin typeface="+mn-lt"/>
-                  </a:rPr>
-                  <a:t>Genigraphics®</a:t>
-                </a:r>
-                <a:r>
-                  <a:rPr lang="en-US" sz="3200" dirty="0">
-                    <a:latin typeface="+mn-lt"/>
-                  </a:rPr>
-                  <a:t> has provided this template to assist in preparation of a medical or scientific research poster. The dimensions are set to 48” high by 36” wide but prints can be scaled up or down in size to any dimension with a 4:3 aspect ratio. For example, if you order a 40” x 30” poster using this template, we will print the file at 83.3% of its original size. </a:t>
-                </a:r>
-                <a:r>
-                  <a:rPr lang="en-US" sz="3200" b="1" dirty="0">
-                    <a:latin typeface="+mn-lt"/>
-                  </a:rPr>
-                  <a:t>The most critical factor is that your template and poster dimensions must be proportional:</a:t>
-                </a:r>
-              </a:p>
-              <a:p>
-                <a:pPr eaLnBrk="1" hangingPunct="1"/>
-                <a:endParaRPr lang="en-US" sz="3200" b="1" dirty="0">
-                  <a:latin typeface="+mn-lt"/>
-                </a:endParaRPr>
-              </a:p>
-              <a:p>
-                <a:pPr eaLnBrk="1" hangingPunct="1"/>
-                <a14:m>
-                  <m:oMathPara xmlns:m="http://schemas.openxmlformats.org/officeDocument/2006/math">
-                    <m:oMathParaPr>
-                      <m:jc m:val="centerGroup"/>
-                    </m:oMathParaPr>
-                    <m:oMath xmlns:m="http://schemas.openxmlformats.org/officeDocument/2006/math">
-                      <m:box>
-                        <m:boxPr>
-                          <m:ctrlPr>
-                            <a:rPr lang="en-US" sz="3200" b="1" i="1">
-                              <a:latin typeface="Cambria Math" panose="02040503050406030204" pitchFamily="18" charset="0"/>
-                            </a:rPr>
-                          </m:ctrlPr>
-                        </m:boxPr>
-                        <m:e>
-                          <m:f>
-                            <m:fPr>
-                              <m:ctrlPr>
-                                <a:rPr lang="en-US" sz="3200" b="1" i="1">
-                                  <a:latin typeface="Cambria Math" panose="02040503050406030204" pitchFamily="18" charset="0"/>
-                                </a:rPr>
-                              </m:ctrlPr>
-                            </m:fPr>
-                            <m:num>
-                              <m:r>
-                                <a:rPr lang="en-US" sz="3200" b="1" i="1">
-                                  <a:latin typeface="Cambria Math"/>
-                                </a:rPr>
-                                <m:t>𝒕𝒆𝒎𝒑𝒍𝒂𝒕𝒆</m:t>
-                              </m:r>
-                              <m:r>
-                                <a:rPr lang="en-US" sz="3200" b="1" i="1">
-                                  <a:latin typeface="Cambria Math"/>
-                                </a:rPr>
-                                <m:t> </m:t>
-                              </m:r>
-                              <m:r>
-                                <a:rPr lang="en-US" sz="3200" b="1" i="1" smtClean="0">
-                                  <a:latin typeface="Cambria Math"/>
-                                </a:rPr>
-                                <m:t>𝒉𝒆𝒊𝒈𝒉𝒕</m:t>
-                              </m:r>
-                            </m:num>
-                            <m:den>
-                              <m:r>
-                                <a:rPr lang="en-US" sz="3200" b="1" i="1">
-                                  <a:latin typeface="Cambria Math"/>
-                                </a:rPr>
-                                <m:t>𝒕𝒆𝒎𝒑𝒍𝒂𝒕𝒆</m:t>
-                              </m:r>
-                              <m:r>
-                                <a:rPr lang="en-US" sz="3200" b="1" i="1">
-                                  <a:latin typeface="Cambria Math"/>
-                                </a:rPr>
-                                <m:t> </m:t>
-                              </m:r>
-                              <m:r>
-                                <a:rPr lang="en-US" sz="3200" b="1" i="1" smtClean="0">
-                                  <a:latin typeface="Cambria Math"/>
-                                </a:rPr>
-                                <m:t>𝒘𝒊𝒅𝒕𝒉</m:t>
-                              </m:r>
-                            </m:den>
-                          </m:f>
-                        </m:e>
-                      </m:box>
-                      <m:r>
-                        <a:rPr lang="en-US" sz="3200" b="1" i="1" smtClean="0">
-                          <a:latin typeface="Cambria Math"/>
-                        </a:rPr>
-                        <m:t> </m:t>
-                      </m:r>
-                      <m:r>
-                        <a:rPr lang="en-US" sz="3200" b="1" i="1">
-                          <a:latin typeface="Cambria Math"/>
-                        </a:rPr>
-                        <m:t>= </m:t>
-                      </m:r>
-                      <m:box>
-                        <m:boxPr>
-                          <m:ctrlPr>
-                            <a:rPr lang="en-US" sz="3200" b="1" i="1">
-                              <a:latin typeface="Cambria Math" panose="02040503050406030204" pitchFamily="18" charset="0"/>
-                            </a:rPr>
-                          </m:ctrlPr>
-                        </m:boxPr>
-                        <m:e>
-                          <m:f>
-                            <m:fPr>
-                              <m:ctrlPr>
-                                <a:rPr lang="en-US" sz="3200" b="1" i="1">
-                                  <a:latin typeface="Cambria Math" panose="02040503050406030204" pitchFamily="18" charset="0"/>
-                                </a:rPr>
-                              </m:ctrlPr>
-                            </m:fPr>
-                            <m:num>
-                              <m:r>
-                                <a:rPr lang="en-US" sz="3200" b="1" i="1">
-                                  <a:latin typeface="Cambria Math"/>
-                                </a:rPr>
-                                <m:t>𝒅𝒆𝒔𝒊𝒓𝒆𝒅</m:t>
-                              </m:r>
-                              <m:r>
-                                <a:rPr lang="en-US" sz="3200" b="1" i="1">
-                                  <a:latin typeface="Cambria Math"/>
-                                </a:rPr>
-                                <m:t> </m:t>
-                              </m:r>
-                              <m:r>
-                                <a:rPr lang="en-US" sz="3200" b="1" i="1">
-                                  <a:latin typeface="Cambria Math"/>
-                                </a:rPr>
-                                <m:t>𝒑𝒓𝒊𝒏𝒕</m:t>
-                              </m:r>
-                              <m:r>
-                                <a:rPr lang="en-US" sz="3200" b="1" i="1">
-                                  <a:latin typeface="Cambria Math"/>
-                                </a:rPr>
-                                <m:t> </m:t>
-                              </m:r>
-                              <m:r>
-                                <a:rPr lang="en-US" sz="3200" b="1" i="1" smtClean="0">
-                                  <a:latin typeface="Cambria Math"/>
-                                </a:rPr>
-                                <m:t>𝒉𝒆𝒊𝒈𝒉𝒕</m:t>
-                              </m:r>
-                            </m:num>
-                            <m:den>
-                              <m:r>
-                                <a:rPr lang="en-US" sz="3200" b="1" i="1">
-                                  <a:latin typeface="Cambria Math"/>
-                                </a:rPr>
-                                <m:t>𝒅𝒆𝒔𝒊𝒓𝒆𝒅</m:t>
-                              </m:r>
-                              <m:r>
-                                <a:rPr lang="en-US" sz="3200" b="1" i="1">
-                                  <a:latin typeface="Cambria Math"/>
-                                </a:rPr>
-                                <m:t> </m:t>
-                              </m:r>
-                              <m:r>
-                                <a:rPr lang="en-US" sz="3200" b="1" i="1">
-                                  <a:latin typeface="Cambria Math"/>
-                                </a:rPr>
-                                <m:t>𝒑𝒓𝒊𝒏𝒕</m:t>
-                              </m:r>
-                              <m:r>
-                                <a:rPr lang="en-US" sz="3200" b="1" i="1">
-                                  <a:latin typeface="Cambria Math"/>
-                                </a:rPr>
-                                <m:t> </m:t>
-                              </m:r>
-                              <m:r>
-                                <a:rPr lang="en-US" sz="3200" b="1" i="1" smtClean="0">
-                                  <a:latin typeface="Cambria Math"/>
-                                </a:rPr>
-                                <m:t>𝒘𝒊𝒅𝒕𝒉</m:t>
-                              </m:r>
-                            </m:den>
-                          </m:f>
-                        </m:e>
-                      </m:box>
-                    </m:oMath>
-                  </m:oMathPara>
-                </a14:m>
-                <a:endParaRPr lang="en-US" sz="3200" b="1" dirty="0">
-                  <a:latin typeface="+mn-lt"/>
-                </a:endParaRPr>
-              </a:p>
-              <a:p>
-                <a:pPr eaLnBrk="1" hangingPunct="1"/>
-                <a:endParaRPr lang="en-US" sz="3200" dirty="0">
-                  <a:latin typeface="+mn-lt"/>
-                </a:endParaRPr>
-              </a:p>
-              <a:p>
-                <a:pPr eaLnBrk="1" hangingPunct="1"/>
-                <a:r>
-                  <a:rPr lang="en-US" sz="3200" dirty="0">
-                    <a:latin typeface="+mn-lt"/>
-                  </a:rPr>
-                  <a:t>Order your poster from Genigraphics and we will perform a free design review and advise you if we see anything that may be a concern for printing. We’ll even help tidy things up.</a:t>
-                </a:r>
-              </a:p>
-              <a:p>
-                <a:pPr eaLnBrk="1" hangingPunct="1"/>
-                <a:endParaRPr lang="en-US" sz="3200" dirty="0">
-                  <a:latin typeface="+mn-lt"/>
-                </a:endParaRPr>
-              </a:p>
-              <a:p>
-                <a:pPr eaLnBrk="1" hangingPunct="1"/>
-                <a:r>
-                  <a:rPr lang="en-US" sz="3200" dirty="0">
-                    <a:latin typeface="+mn-lt"/>
-                  </a:rPr>
-                  <a:t>We have more history with PowerPoint® than any other printing company. In fact, we helped Microsoft® design the software and we created all of the original color themes, templates, and clip art galleries. We know how to make your printed poster look just like it does on screen. Other printing companies and copy centers will blindly convert your file to another format prior to printing. This can result in text shifting, symbols changing, and altered colors. We know the secrets to avoid those issues. So choose Genigraphics for the most accurate reproduction available.</a:t>
-                </a:r>
-              </a:p>
-            </p:txBody>
-          </p:sp>
-        </mc:Choice>
-        <mc:Fallback xmlns="">
-          <p:sp>
-            <p:nvSpPr>
-              <p:cNvPr id="11" name="Text Box 190"/>
-              <p:cNvSpPr txBox="1">
-                <a:spLocks noRot="1" noChangeAspect="1" noMove="1" noResize="1" noEditPoints="1" noAdjustHandles="1" noChangeArrowheads="1" noChangeShapeType="1" noTextEdit="1"/>
-              </p:cNvSpPr>
-              <p:nvPr/>
-            </p:nvSpPr>
-            <p:spPr bwMode="auto">
-              <a:xfrm>
-                <a:off x="1025524" y="15087600"/>
-                <a:ext cx="14976476" cy="10744095"/>
-              </a:xfrm>
-              <a:prstGeom prst="rect">
-                <a:avLst/>
-              </a:prstGeom>
-              <a:blipFill>
-                <a:blip r:embed="rId2"/>
-                <a:stretch>
-                  <a:fillRect l="-423" r="-593"/>
-                </a:stretch>
-              </a:blipFill>
-              <a:ln w="12700">
-                <a:solidFill>
-                  <a:schemeClr val="accent1">
-                    <a:lumMod val="75000"/>
-                  </a:schemeClr>
-                </a:solidFill>
-              </a:ln>
-              <a:effectLst/>
-            </p:spPr>
-            <p:txBody>
-              <a:bodyPr/>
-              <a:lstStyle/>
-              <a:p>
-                <a:r>
-                  <a:rPr lang="en-US">
-                    <a:noFill/>
-                  </a:rPr>
-                  <a:t> </a:t>
-                </a:r>
-              </a:p>
-            </p:txBody>
-          </p:sp>
-        </mc:Fallback>
-      </mc:AlternateContent>
+      <p:sp>
+        <p:nvSpPr>
+          <p:cNvPr id="11" name="Text Box 190"/>
+          <p:cNvSpPr txBox="1">
+            <a:spLocks noChangeArrowheads="1"/>
+          </p:cNvSpPr>
+          <p:nvPr/>
+        </p:nvSpPr>
+        <p:spPr bwMode="auto">
+          <a:xfrm>
+            <a:off x="1101724" y="14097000"/>
+            <a:ext cx="14976476" cy="2831544"/>
+          </a:xfrm>
+          <a:prstGeom prst="rect">
+            <a:avLst/>
+          </a:prstGeom>
+          <a:solidFill>
+            <a:schemeClr val="bg1"/>
+          </a:solidFill>
+          <a:ln w="12700">
+            <a:solidFill>
+              <a:schemeClr val="accent1">
+                <a:lumMod val="75000"/>
+              </a:schemeClr>
+            </a:solidFill>
+          </a:ln>
+          <a:effectLst/>
+        </p:spPr>
+        <p:txBody>
+          <a:bodyPr wrap="square" lIns="182880" tIns="182880" rIns="182880" bIns="182880">
+            <a:spAutoFit/>
+          </a:bodyPr>
+          <a:lstStyle>
+            <a:lvl1pPr eaLnBrk="0" hangingPunct="0">
+              <a:defRPr sz="2200">
+                <a:solidFill>
+                  <a:schemeClr val="tx1"/>
+                </a:solidFill>
+                <a:latin typeface="Arial" charset="0"/>
+              </a:defRPr>
+            </a:lvl1pPr>
+            <a:lvl2pPr marL="742950" indent="-285750" eaLnBrk="0" hangingPunct="0">
+              <a:defRPr sz="2200">
+                <a:solidFill>
+                  <a:schemeClr val="tx1"/>
+                </a:solidFill>
+                <a:latin typeface="Arial" charset="0"/>
+              </a:defRPr>
+            </a:lvl2pPr>
+            <a:lvl3pPr marL="1143000" indent="-228600" eaLnBrk="0" hangingPunct="0">
+              <a:defRPr sz="2200">
+                <a:solidFill>
+                  <a:schemeClr val="tx1"/>
+                </a:solidFill>
+                <a:latin typeface="Arial" charset="0"/>
+              </a:defRPr>
+            </a:lvl3pPr>
+            <a:lvl4pPr marL="1600200" indent="-228600" eaLnBrk="0" hangingPunct="0">
+              <a:defRPr sz="2200">
+                <a:solidFill>
+                  <a:schemeClr val="tx1"/>
+                </a:solidFill>
+                <a:latin typeface="Arial" charset="0"/>
+              </a:defRPr>
+            </a:lvl4pPr>
+            <a:lvl5pPr marL="2057400" indent="-228600" eaLnBrk="0" hangingPunct="0">
+              <a:defRPr sz="2200">
+                <a:solidFill>
+                  <a:schemeClr val="tx1"/>
+                </a:solidFill>
+                <a:latin typeface="Arial" charset="0"/>
+              </a:defRPr>
+            </a:lvl5pPr>
+            <a:lvl6pPr marL="2514600" indent="-228600" eaLnBrk="0" fontAlgn="base" hangingPunct="0">
+              <a:spcBef>
+                <a:spcPct val="0"/>
+              </a:spcBef>
+              <a:spcAft>
+                <a:spcPct val="0"/>
+              </a:spcAft>
+              <a:defRPr sz="2200">
+                <a:solidFill>
+                  <a:schemeClr val="tx1"/>
+                </a:solidFill>
+                <a:latin typeface="Arial" charset="0"/>
+              </a:defRPr>
+            </a:lvl6pPr>
+            <a:lvl7pPr marL="2971800" indent="-228600" eaLnBrk="0" fontAlgn="base" hangingPunct="0">
+              <a:spcBef>
+                <a:spcPct val="0"/>
+              </a:spcBef>
+              <a:spcAft>
+                <a:spcPct val="0"/>
+              </a:spcAft>
+              <a:defRPr sz="2200">
+                <a:solidFill>
+                  <a:schemeClr val="tx1"/>
+                </a:solidFill>
+                <a:latin typeface="Arial" charset="0"/>
+              </a:defRPr>
+            </a:lvl7pPr>
+            <a:lvl8pPr marL="3429000" indent="-228600" eaLnBrk="0" fontAlgn="base" hangingPunct="0">
+              <a:spcBef>
+                <a:spcPct val="0"/>
+              </a:spcBef>
+              <a:spcAft>
+                <a:spcPct val="0"/>
+              </a:spcAft>
+              <a:defRPr sz="2200">
+                <a:solidFill>
+                  <a:schemeClr val="tx1"/>
+                </a:solidFill>
+                <a:latin typeface="Arial" charset="0"/>
+              </a:defRPr>
+            </a:lvl8pPr>
+            <a:lvl9pPr marL="3886200" indent="-228600" eaLnBrk="0" fontAlgn="base" hangingPunct="0">
+              <a:spcBef>
+                <a:spcPct val="0"/>
+              </a:spcBef>
+              <a:spcAft>
+                <a:spcPct val="0"/>
+              </a:spcAft>
+              <a:defRPr sz="2200">
+                <a:solidFill>
+                  <a:schemeClr val="tx1"/>
+                </a:solidFill>
+                <a:latin typeface="Arial" charset="0"/>
+              </a:defRPr>
+            </a:lvl9pPr>
+          </a:lstStyle>
+          <a:p>
+            <a:pPr marL="571500" lvl="0" indent="-571500" algn="just">
+              <a:buClr>
+                <a:srgbClr val="000000"/>
+              </a:buClr>
+              <a:buSzPct val="100000"/>
+              <a:buFont typeface="Noto Sans Symbols"/>
+              <a:buChar char="▪"/>
+            </a:pPr>
+            <a:r>
+              <a:rPr lang="en-US" sz="3200" dirty="0">
+                <a:solidFill>
+                  <a:srgbClr val="000000"/>
+                </a:solidFill>
+                <a:latin typeface="Arial"/>
+                <a:ea typeface="Arial"/>
+                <a:cs typeface="Arial"/>
+                <a:sym typeface="Arial"/>
+              </a:rPr>
+              <a:t>Sparse Problems do not scale well.</a:t>
+            </a:r>
+          </a:p>
+          <a:p>
+            <a:pPr marL="571500" lvl="0" indent="-571500" algn="just">
+              <a:buClr>
+                <a:srgbClr val="000000"/>
+              </a:buClr>
+              <a:buSzPct val="100000"/>
+              <a:buFont typeface="Noto Sans Symbols"/>
+              <a:buChar char="▪"/>
+            </a:pPr>
+            <a:r>
+              <a:rPr lang="en-US" sz="3200" dirty="0">
+                <a:solidFill>
+                  <a:srgbClr val="000000"/>
+                </a:solidFill>
+                <a:latin typeface="Arial"/>
+                <a:ea typeface="Arial"/>
+                <a:cs typeface="Arial"/>
+                <a:sym typeface="Arial"/>
+              </a:rPr>
+              <a:t>Attempts to distribute data amongst MPI processes can create load imbalance</a:t>
+            </a:r>
+          </a:p>
+          <a:p>
+            <a:pPr marL="571500" lvl="0" indent="-571500" algn="just">
+              <a:buClr>
+                <a:srgbClr val="000000"/>
+              </a:buClr>
+              <a:buSzPct val="100000"/>
+              <a:buFont typeface="Noto Sans Symbols"/>
+              <a:buChar char="▪"/>
+            </a:pPr>
+            <a:r>
+              <a:rPr lang="en-US" sz="3200" dirty="0">
+                <a:solidFill>
+                  <a:srgbClr val="000000"/>
+                </a:solidFill>
+                <a:latin typeface="Arial"/>
+                <a:ea typeface="Arial"/>
+                <a:cs typeface="Arial"/>
+                <a:sym typeface="Arial"/>
+              </a:rPr>
+              <a:t>Performance can be come dependent on matrix characteristics</a:t>
+            </a:r>
+          </a:p>
+          <a:p>
+            <a:pPr marL="571500" lvl="0" indent="-571500" algn="just">
+              <a:buClr>
+                <a:srgbClr val="000000"/>
+              </a:buClr>
+              <a:buSzPct val="100000"/>
+              <a:buFont typeface="Noto Sans Symbols"/>
+              <a:buChar char="▪"/>
+            </a:pPr>
+            <a:r>
+              <a:rPr lang="en-US" sz="3200" dirty="0">
+                <a:solidFill>
+                  <a:srgbClr val="000000"/>
+                </a:solidFill>
+                <a:latin typeface="Arial"/>
+                <a:ea typeface="Arial"/>
+                <a:cs typeface="Arial"/>
+                <a:sym typeface="Arial"/>
+              </a:rPr>
+              <a:t>MPI Communication overhead quickly outpaces performance gain from strong scaling.</a:t>
+            </a:r>
+          </a:p>
+        </p:txBody>
+      </p:sp>
       <p:sp>
         <p:nvSpPr>
           <p:cNvPr id="45" name="Rectangle 44"/>
@@ -5248,7 +3716,7 @@
         </p:nvSpPr>
         <p:spPr>
           <a:xfrm>
-            <a:off x="16916400" y="6172200"/>
+            <a:off x="16600744" y="12877800"/>
             <a:ext cx="14935200" cy="914400"/>
           </a:xfrm>
           <a:prstGeom prst="rect">
@@ -5291,202 +3759,11 @@
                   </a:schemeClr>
                 </a:solidFill>
               </a:rPr>
-              <a:t>Results</a:t>
+              <a:t>Balanced Distribution</a:t>
             </a:r>
           </a:p>
         </p:txBody>
       </p:sp>
-      <p:sp>
-        <p:nvSpPr>
-          <p:cNvPr id="53" name="Text Box 180"/>
-          <p:cNvSpPr txBox="1">
-            <a:spLocks noChangeArrowheads="1"/>
-          </p:cNvSpPr>
-          <p:nvPr/>
-        </p:nvSpPr>
-        <p:spPr bwMode="auto">
-          <a:xfrm>
-            <a:off x="1796716" y="26193760"/>
-            <a:ext cx="3782831" cy="461665"/>
-          </a:xfrm>
-          <a:prstGeom prst="rect">
-            <a:avLst/>
-          </a:prstGeom>
-          <a:noFill/>
-          <a:ln>
-            <a:noFill/>
-          </a:ln>
-          <a:effectLst/>
-          <a:extLst>
-            <a:ext uri="{909E8E84-426E-40DD-AFC4-6F175D3DCCD1}">
-              <a14:hiddenFill xmlns:a14="http://schemas.microsoft.com/office/drawing/2010/main">
-                <a:solidFill>
-                  <a:schemeClr val="accent1"/>
-                </a:solidFill>
-              </a14:hiddenFill>
-            </a:ext>
-            <a:ext uri="{91240B29-F687-4F45-9708-019B960494DF}">
-              <a14:hiddenLine xmlns:a14="http://schemas.microsoft.com/office/drawing/2010/main" w="9525">
-                <a:solidFill>
-                  <a:schemeClr val="tx1"/>
-                </a:solidFill>
-                <a:miter lim="800000"/>
-                <a:headEnd/>
-                <a:tailEnd/>
-              </a14:hiddenLine>
-            </a:ext>
-            <a:ext uri="{AF507438-7753-43E0-B8FC-AC1667EBCBE1}">
-              <a14:hiddenEffects xmlns:a14="http://schemas.microsoft.com/office/drawing/2010/main">
-                <a:effectLst>
-                  <a:outerShdw dist="35921" dir="2700000" algn="ctr" rotWithShape="0">
-                    <a:schemeClr val="bg2"/>
-                  </a:outerShdw>
-                </a:effectLst>
-              </a14:hiddenEffects>
-            </a:ext>
-          </a:extLst>
-        </p:spPr>
-        <p:txBody>
-          <a:bodyPr wrap="none">
-            <a:spAutoFit/>
-          </a:bodyPr>
-          <a:lstStyle>
-            <a:lvl1pPr defTabSz="4389438" eaLnBrk="0" hangingPunct="0">
-              <a:defRPr sz="2200">
-                <a:solidFill>
-                  <a:schemeClr val="tx1"/>
-                </a:solidFill>
-                <a:latin typeface="Arial" charset="0"/>
-              </a:defRPr>
-            </a:lvl1pPr>
-            <a:lvl2pPr marL="742950" indent="-285750" defTabSz="4389438" eaLnBrk="0" hangingPunct="0">
-              <a:defRPr sz="2200">
-                <a:solidFill>
-                  <a:schemeClr val="tx1"/>
-                </a:solidFill>
-                <a:latin typeface="Arial" charset="0"/>
-              </a:defRPr>
-            </a:lvl2pPr>
-            <a:lvl3pPr marL="1143000" indent="-228600" defTabSz="4389438" eaLnBrk="0" hangingPunct="0">
-              <a:defRPr sz="2200">
-                <a:solidFill>
-                  <a:schemeClr val="tx1"/>
-                </a:solidFill>
-                <a:latin typeface="Arial" charset="0"/>
-              </a:defRPr>
-            </a:lvl3pPr>
-            <a:lvl4pPr marL="1600200" indent="-228600" defTabSz="4389438" eaLnBrk="0" hangingPunct="0">
-              <a:defRPr sz="2200">
-                <a:solidFill>
-                  <a:schemeClr val="tx1"/>
-                </a:solidFill>
-                <a:latin typeface="Arial" charset="0"/>
-              </a:defRPr>
-            </a:lvl4pPr>
-            <a:lvl5pPr marL="2057400" indent="-228600" defTabSz="4389438" eaLnBrk="0" hangingPunct="0">
-              <a:defRPr sz="2200">
-                <a:solidFill>
-                  <a:schemeClr val="tx1"/>
-                </a:solidFill>
-                <a:latin typeface="Arial" charset="0"/>
-              </a:defRPr>
-            </a:lvl5pPr>
-            <a:lvl6pPr marL="2514600" indent="-228600" defTabSz="4389438" eaLnBrk="0" fontAlgn="base" hangingPunct="0">
-              <a:spcBef>
-                <a:spcPct val="0"/>
-              </a:spcBef>
-              <a:spcAft>
-                <a:spcPct val="0"/>
-              </a:spcAft>
-              <a:defRPr sz="2200">
-                <a:solidFill>
-                  <a:schemeClr val="tx1"/>
-                </a:solidFill>
-                <a:latin typeface="Arial" charset="0"/>
-              </a:defRPr>
-            </a:lvl6pPr>
-            <a:lvl7pPr marL="2971800" indent="-228600" defTabSz="4389438" eaLnBrk="0" fontAlgn="base" hangingPunct="0">
-              <a:spcBef>
-                <a:spcPct val="0"/>
-              </a:spcBef>
-              <a:spcAft>
-                <a:spcPct val="0"/>
-              </a:spcAft>
-              <a:defRPr sz="2200">
-                <a:solidFill>
-                  <a:schemeClr val="tx1"/>
-                </a:solidFill>
-                <a:latin typeface="Arial" charset="0"/>
-              </a:defRPr>
-            </a:lvl7pPr>
-            <a:lvl8pPr marL="3429000" indent="-228600" defTabSz="4389438" eaLnBrk="0" fontAlgn="base" hangingPunct="0">
-              <a:spcBef>
-                <a:spcPct val="0"/>
-              </a:spcBef>
-              <a:spcAft>
-                <a:spcPct val="0"/>
-              </a:spcAft>
-              <a:defRPr sz="2200">
-                <a:solidFill>
-                  <a:schemeClr val="tx1"/>
-                </a:solidFill>
-                <a:latin typeface="Arial" charset="0"/>
-              </a:defRPr>
-            </a:lvl8pPr>
-            <a:lvl9pPr marL="3886200" indent="-228600" defTabSz="4389438" eaLnBrk="0" fontAlgn="base" hangingPunct="0">
-              <a:spcBef>
-                <a:spcPct val="0"/>
-              </a:spcBef>
-              <a:spcAft>
-                <a:spcPct val="0"/>
-              </a:spcAft>
-              <a:defRPr sz="2200">
-                <a:solidFill>
-                  <a:schemeClr val="tx1"/>
-                </a:solidFill>
-                <a:latin typeface="Arial" charset="0"/>
-              </a:defRPr>
-            </a:lvl9pPr>
-          </a:lstStyle>
-          <a:p>
-            <a:pPr algn="ctr" eaLnBrk="1" hangingPunct="1"/>
-            <a:r>
-              <a:rPr lang="en-US" sz="2400" b="1" dirty="0">
-                <a:latin typeface="Calibri" pitchFamily="34" charset="0"/>
-              </a:rPr>
-              <a:t>Table 1.</a:t>
-            </a:r>
-            <a:r>
-              <a:rPr lang="en-US" sz="2400" dirty="0">
-                <a:latin typeface="Calibri" pitchFamily="34" charset="0"/>
-              </a:rPr>
-              <a:t> Label in 24pt Calibri.</a:t>
-            </a:r>
-          </a:p>
-        </p:txBody>
-      </p:sp>
-      <p:graphicFrame>
-        <p:nvGraphicFramePr>
-          <p:cNvPr id="3" name="Chart 2"/>
-          <p:cNvGraphicFramePr/>
-          <p:nvPr>
-            <p:extLst>
-              <p:ext uri="{D42A27DB-BD31-4B8C-83A1-F6EECF244321}">
-                <p14:modId xmlns:p14="http://schemas.microsoft.com/office/powerpoint/2010/main" val="2867058040"/>
-              </p:ext>
-            </p:extLst>
-          </p:nvPr>
-        </p:nvGraphicFramePr>
-        <p:xfrm>
-          <a:off x="16916400" y="15201909"/>
-          <a:ext cx="14173199" cy="5977225"/>
-        </p:xfrm>
-        <a:graphic>
-          <a:graphicData uri="http://schemas.openxmlformats.org/drawingml/2006/chart">
-            <c:chart xmlns:c="http://schemas.openxmlformats.org/drawingml/2006/chart" xmlns:r="http://schemas.openxmlformats.org/officeDocument/2006/relationships" r:id="rId3"/>
-          </a:graphicData>
-        </a:graphic>
-      </p:graphicFrame>
       <p:sp>
         <p:nvSpPr>
           <p:cNvPr id="37" name="Text Box 180"/>
@@ -5658,654 +3935,6 @@
       </p:sp>
       <p:pic>
         <p:nvPicPr>
-          <p:cNvPr id="38" name="Picture 178" descr="Picture1"/>
-          <p:cNvPicPr>
-            <a:picLocks noChangeAspect="1" noChangeArrowheads="1"/>
-          </p:cNvPicPr>
-          <p:nvPr/>
-        </p:nvPicPr>
-        <p:blipFill>
-          <a:blip r:embed="rId4">
-            <a:extLst>
-              <a:ext uri="{28A0092B-C50C-407E-A947-70E740481C1C}">
-                <a14:useLocalDpi xmlns:a14="http://schemas.microsoft.com/office/drawing/2010/main" val="0"/>
-              </a:ext>
-            </a:extLst>
-          </a:blip>
-          <a:srcRect/>
-          <a:stretch>
-            <a:fillRect/>
-          </a:stretch>
-        </p:blipFill>
-        <p:spPr bwMode="auto">
-          <a:xfrm>
-            <a:off x="18059400" y="29870400"/>
-            <a:ext cx="3511296" cy="2926080"/>
-          </a:xfrm>
-          <a:prstGeom prst="rect">
-            <a:avLst/>
-          </a:prstGeom>
-          <a:noFill/>
-          <a:ln w="9525">
-            <a:solidFill>
-              <a:schemeClr val="tx2">
-                <a:lumMod val="50000"/>
-              </a:schemeClr>
-            </a:solidFill>
-            <a:miter lim="800000"/>
-            <a:headEnd/>
-            <a:tailEnd/>
-          </a:ln>
-          <a:extLst>
-            <a:ext uri="{909E8E84-426E-40DD-AFC4-6F175D3DCCD1}">
-              <a14:hiddenFill xmlns:a14="http://schemas.microsoft.com/office/drawing/2010/main">
-                <a:solidFill>
-                  <a:srgbClr val="FFFFFF"/>
-                </a:solidFill>
-              </a14:hiddenFill>
-            </a:ext>
-          </a:extLst>
-        </p:spPr>
-      </p:pic>
-      <p:pic>
-        <p:nvPicPr>
-          <p:cNvPr id="39" name="Picture 179" descr="Picture2"/>
-          <p:cNvPicPr>
-            <a:picLocks noChangeAspect="1" noChangeArrowheads="1"/>
-          </p:cNvPicPr>
-          <p:nvPr/>
-        </p:nvPicPr>
-        <p:blipFill>
-          <a:blip r:embed="rId5">
-            <a:extLst>
-              <a:ext uri="{28A0092B-C50C-407E-A947-70E740481C1C}">
-                <a14:useLocalDpi xmlns:a14="http://schemas.microsoft.com/office/drawing/2010/main" val="0"/>
-              </a:ext>
-            </a:extLst>
-          </a:blip>
-          <a:srcRect/>
-          <a:stretch>
-            <a:fillRect/>
-          </a:stretch>
-        </p:blipFill>
-        <p:spPr bwMode="auto">
-          <a:xfrm>
-            <a:off x="22247352" y="29870400"/>
-            <a:ext cx="3511296" cy="2926080"/>
-          </a:xfrm>
-          <a:prstGeom prst="rect">
-            <a:avLst/>
-          </a:prstGeom>
-          <a:noFill/>
-          <a:ln>
-            <a:noFill/>
-          </a:ln>
-          <a:extLst>
-            <a:ext uri="{909E8E84-426E-40DD-AFC4-6F175D3DCCD1}">
-              <a14:hiddenFill xmlns:a14="http://schemas.microsoft.com/office/drawing/2010/main">
-                <a:solidFill>
-                  <a:srgbClr val="FFFFFF"/>
-                </a:solidFill>
-              </a14:hiddenFill>
-            </a:ext>
-            <a:ext uri="{91240B29-F687-4F45-9708-019B960494DF}">
-              <a14:hiddenLine xmlns:a14="http://schemas.microsoft.com/office/drawing/2010/main" w="9525">
-                <a:solidFill>
-                  <a:srgbClr val="000000"/>
-                </a:solidFill>
-                <a:miter lim="800000"/>
-                <a:headEnd/>
-                <a:tailEnd/>
-              </a14:hiddenLine>
-            </a:ext>
-          </a:extLst>
-        </p:spPr>
-      </p:pic>
-      <p:sp>
-        <p:nvSpPr>
-          <p:cNvPr id="40" name="Text Box 180"/>
-          <p:cNvSpPr txBox="1">
-            <a:spLocks noChangeArrowheads="1"/>
-          </p:cNvSpPr>
-          <p:nvPr/>
-        </p:nvSpPr>
-        <p:spPr bwMode="auto">
-          <a:xfrm>
-            <a:off x="18135600" y="32918400"/>
-            <a:ext cx="3282437" cy="400110"/>
-          </a:xfrm>
-          <a:prstGeom prst="rect">
-            <a:avLst/>
-          </a:prstGeom>
-          <a:noFill/>
-          <a:ln>
-            <a:noFill/>
-          </a:ln>
-          <a:effectLst/>
-          <a:extLst>
-            <a:ext uri="{909E8E84-426E-40DD-AFC4-6F175D3DCCD1}">
-              <a14:hiddenFill xmlns:a14="http://schemas.microsoft.com/office/drawing/2010/main">
-                <a:solidFill>
-                  <a:schemeClr val="accent1"/>
-                </a:solidFill>
-              </a14:hiddenFill>
-            </a:ext>
-            <a:ext uri="{91240B29-F687-4F45-9708-019B960494DF}">
-              <a14:hiddenLine xmlns:a14="http://schemas.microsoft.com/office/drawing/2010/main" w="9525">
-                <a:solidFill>
-                  <a:schemeClr val="tx1"/>
-                </a:solidFill>
-                <a:miter lim="800000"/>
-                <a:headEnd/>
-                <a:tailEnd/>
-              </a14:hiddenLine>
-            </a:ext>
-            <a:ext uri="{AF507438-7753-43E0-B8FC-AC1667EBCBE1}">
-              <a14:hiddenEffects xmlns:a14="http://schemas.microsoft.com/office/drawing/2010/main">
-                <a:effectLst>
-                  <a:outerShdw dist="35921" dir="2700000" algn="ctr" rotWithShape="0">
-                    <a:schemeClr val="bg2"/>
-                  </a:outerShdw>
-                </a:effectLst>
-              </a14:hiddenEffects>
-            </a:ext>
-          </a:extLst>
-        </p:spPr>
-        <p:txBody>
-          <a:bodyPr wrap="none">
-            <a:spAutoFit/>
-          </a:bodyPr>
-          <a:lstStyle>
-            <a:lvl1pPr defTabSz="4389438" eaLnBrk="0" hangingPunct="0">
-              <a:defRPr sz="2200">
-                <a:solidFill>
-                  <a:schemeClr val="tx1"/>
-                </a:solidFill>
-                <a:latin typeface="Arial" charset="0"/>
-              </a:defRPr>
-            </a:lvl1pPr>
-            <a:lvl2pPr marL="742950" indent="-285750" defTabSz="4389438" eaLnBrk="0" hangingPunct="0">
-              <a:defRPr sz="2200">
-                <a:solidFill>
-                  <a:schemeClr val="tx1"/>
-                </a:solidFill>
-                <a:latin typeface="Arial" charset="0"/>
-              </a:defRPr>
-            </a:lvl2pPr>
-            <a:lvl3pPr marL="1143000" indent="-228600" defTabSz="4389438" eaLnBrk="0" hangingPunct="0">
-              <a:defRPr sz="2200">
-                <a:solidFill>
-                  <a:schemeClr val="tx1"/>
-                </a:solidFill>
-                <a:latin typeface="Arial" charset="0"/>
-              </a:defRPr>
-            </a:lvl3pPr>
-            <a:lvl4pPr marL="1600200" indent="-228600" defTabSz="4389438" eaLnBrk="0" hangingPunct="0">
-              <a:defRPr sz="2200">
-                <a:solidFill>
-                  <a:schemeClr val="tx1"/>
-                </a:solidFill>
-                <a:latin typeface="Arial" charset="0"/>
-              </a:defRPr>
-            </a:lvl4pPr>
-            <a:lvl5pPr marL="2057400" indent="-228600" defTabSz="4389438" eaLnBrk="0" hangingPunct="0">
-              <a:defRPr sz="2200">
-                <a:solidFill>
-                  <a:schemeClr val="tx1"/>
-                </a:solidFill>
-                <a:latin typeface="Arial" charset="0"/>
-              </a:defRPr>
-            </a:lvl5pPr>
-            <a:lvl6pPr marL="2514600" indent="-228600" defTabSz="4389438" eaLnBrk="0" fontAlgn="base" hangingPunct="0">
-              <a:spcBef>
-                <a:spcPct val="0"/>
-              </a:spcBef>
-              <a:spcAft>
-                <a:spcPct val="0"/>
-              </a:spcAft>
-              <a:defRPr sz="2200">
-                <a:solidFill>
-                  <a:schemeClr val="tx1"/>
-                </a:solidFill>
-                <a:latin typeface="Arial" charset="0"/>
-              </a:defRPr>
-            </a:lvl6pPr>
-            <a:lvl7pPr marL="2971800" indent="-228600" defTabSz="4389438" eaLnBrk="0" fontAlgn="base" hangingPunct="0">
-              <a:spcBef>
-                <a:spcPct val="0"/>
-              </a:spcBef>
-              <a:spcAft>
-                <a:spcPct val="0"/>
-              </a:spcAft>
-              <a:defRPr sz="2200">
-                <a:solidFill>
-                  <a:schemeClr val="tx1"/>
-                </a:solidFill>
-                <a:latin typeface="Arial" charset="0"/>
-              </a:defRPr>
-            </a:lvl7pPr>
-            <a:lvl8pPr marL="3429000" indent="-228600" defTabSz="4389438" eaLnBrk="0" fontAlgn="base" hangingPunct="0">
-              <a:spcBef>
-                <a:spcPct val="0"/>
-              </a:spcBef>
-              <a:spcAft>
-                <a:spcPct val="0"/>
-              </a:spcAft>
-              <a:defRPr sz="2200">
-                <a:solidFill>
-                  <a:schemeClr val="tx1"/>
-                </a:solidFill>
-                <a:latin typeface="Arial" charset="0"/>
-              </a:defRPr>
-            </a:lvl8pPr>
-            <a:lvl9pPr marL="3886200" indent="-228600" defTabSz="4389438" eaLnBrk="0" fontAlgn="base" hangingPunct="0">
-              <a:spcBef>
-                <a:spcPct val="0"/>
-              </a:spcBef>
-              <a:spcAft>
-                <a:spcPct val="0"/>
-              </a:spcAft>
-              <a:defRPr sz="2200">
-                <a:solidFill>
-                  <a:schemeClr val="tx1"/>
-                </a:solidFill>
-                <a:latin typeface="Arial" charset="0"/>
-              </a:defRPr>
-            </a:lvl9pPr>
-          </a:lstStyle>
-          <a:p>
-            <a:pPr eaLnBrk="1" hangingPunct="1"/>
-            <a:r>
-              <a:rPr lang="en-US" sz="2000" b="1" dirty="0">
-                <a:latin typeface="Calibri" pitchFamily="34" charset="0"/>
-              </a:rPr>
-              <a:t>Figure 1.</a:t>
-            </a:r>
-            <a:r>
-              <a:rPr lang="en-US" sz="2000" dirty="0">
-                <a:latin typeface="Calibri" pitchFamily="34" charset="0"/>
-              </a:rPr>
-              <a:t> Label in 20pt Calibri.</a:t>
-            </a:r>
-          </a:p>
-        </p:txBody>
-      </p:sp>
-      <p:sp>
-        <p:nvSpPr>
-          <p:cNvPr id="41" name="Text Box 181"/>
-          <p:cNvSpPr txBox="1">
-            <a:spLocks noChangeArrowheads="1"/>
-          </p:cNvSpPr>
-          <p:nvPr/>
-        </p:nvSpPr>
-        <p:spPr bwMode="auto">
-          <a:xfrm>
-            <a:off x="22326600" y="32918400"/>
-            <a:ext cx="3282437" cy="400110"/>
-          </a:xfrm>
-          <a:prstGeom prst="rect">
-            <a:avLst/>
-          </a:prstGeom>
-          <a:noFill/>
-          <a:ln>
-            <a:noFill/>
-          </a:ln>
-          <a:effectLst/>
-          <a:extLst>
-            <a:ext uri="{909E8E84-426E-40DD-AFC4-6F175D3DCCD1}">
-              <a14:hiddenFill xmlns:a14="http://schemas.microsoft.com/office/drawing/2010/main">
-                <a:solidFill>
-                  <a:schemeClr val="accent1"/>
-                </a:solidFill>
-              </a14:hiddenFill>
-            </a:ext>
-            <a:ext uri="{91240B29-F687-4F45-9708-019B960494DF}">
-              <a14:hiddenLine xmlns:a14="http://schemas.microsoft.com/office/drawing/2010/main" w="9525">
-                <a:solidFill>
-                  <a:schemeClr val="tx1"/>
-                </a:solidFill>
-                <a:miter lim="800000"/>
-                <a:headEnd/>
-                <a:tailEnd/>
-              </a14:hiddenLine>
-            </a:ext>
-            <a:ext uri="{AF507438-7753-43E0-B8FC-AC1667EBCBE1}">
-              <a14:hiddenEffects xmlns:a14="http://schemas.microsoft.com/office/drawing/2010/main">
-                <a:effectLst>
-                  <a:outerShdw dist="35921" dir="2700000" algn="ctr" rotWithShape="0">
-                    <a:schemeClr val="bg2"/>
-                  </a:outerShdw>
-                </a:effectLst>
-              </a14:hiddenEffects>
-            </a:ext>
-          </a:extLst>
-        </p:spPr>
-        <p:txBody>
-          <a:bodyPr wrap="none">
-            <a:spAutoFit/>
-          </a:bodyPr>
-          <a:lstStyle>
-            <a:lvl1pPr defTabSz="4389438" eaLnBrk="0" hangingPunct="0">
-              <a:defRPr sz="2200">
-                <a:solidFill>
-                  <a:schemeClr val="tx1"/>
-                </a:solidFill>
-                <a:latin typeface="Arial" charset="0"/>
-              </a:defRPr>
-            </a:lvl1pPr>
-            <a:lvl2pPr marL="742950" indent="-285750" defTabSz="4389438" eaLnBrk="0" hangingPunct="0">
-              <a:defRPr sz="2200">
-                <a:solidFill>
-                  <a:schemeClr val="tx1"/>
-                </a:solidFill>
-                <a:latin typeface="Arial" charset="0"/>
-              </a:defRPr>
-            </a:lvl2pPr>
-            <a:lvl3pPr marL="1143000" indent="-228600" defTabSz="4389438" eaLnBrk="0" hangingPunct="0">
-              <a:defRPr sz="2200">
-                <a:solidFill>
-                  <a:schemeClr val="tx1"/>
-                </a:solidFill>
-                <a:latin typeface="Arial" charset="0"/>
-              </a:defRPr>
-            </a:lvl3pPr>
-            <a:lvl4pPr marL="1600200" indent="-228600" defTabSz="4389438" eaLnBrk="0" hangingPunct="0">
-              <a:defRPr sz="2200">
-                <a:solidFill>
-                  <a:schemeClr val="tx1"/>
-                </a:solidFill>
-                <a:latin typeface="Arial" charset="0"/>
-              </a:defRPr>
-            </a:lvl4pPr>
-            <a:lvl5pPr marL="2057400" indent="-228600" defTabSz="4389438" eaLnBrk="0" hangingPunct="0">
-              <a:defRPr sz="2200">
-                <a:solidFill>
-                  <a:schemeClr val="tx1"/>
-                </a:solidFill>
-                <a:latin typeface="Arial" charset="0"/>
-              </a:defRPr>
-            </a:lvl5pPr>
-            <a:lvl6pPr marL="2514600" indent="-228600" defTabSz="4389438" eaLnBrk="0" fontAlgn="base" hangingPunct="0">
-              <a:spcBef>
-                <a:spcPct val="0"/>
-              </a:spcBef>
-              <a:spcAft>
-                <a:spcPct val="0"/>
-              </a:spcAft>
-              <a:defRPr sz="2200">
-                <a:solidFill>
-                  <a:schemeClr val="tx1"/>
-                </a:solidFill>
-                <a:latin typeface="Arial" charset="0"/>
-              </a:defRPr>
-            </a:lvl6pPr>
-            <a:lvl7pPr marL="2971800" indent="-228600" defTabSz="4389438" eaLnBrk="0" fontAlgn="base" hangingPunct="0">
-              <a:spcBef>
-                <a:spcPct val="0"/>
-              </a:spcBef>
-              <a:spcAft>
-                <a:spcPct val="0"/>
-              </a:spcAft>
-              <a:defRPr sz="2200">
-                <a:solidFill>
-                  <a:schemeClr val="tx1"/>
-                </a:solidFill>
-                <a:latin typeface="Arial" charset="0"/>
-              </a:defRPr>
-            </a:lvl7pPr>
-            <a:lvl8pPr marL="3429000" indent="-228600" defTabSz="4389438" eaLnBrk="0" fontAlgn="base" hangingPunct="0">
-              <a:spcBef>
-                <a:spcPct val="0"/>
-              </a:spcBef>
-              <a:spcAft>
-                <a:spcPct val="0"/>
-              </a:spcAft>
-              <a:defRPr sz="2200">
-                <a:solidFill>
-                  <a:schemeClr val="tx1"/>
-                </a:solidFill>
-                <a:latin typeface="Arial" charset="0"/>
-              </a:defRPr>
-            </a:lvl8pPr>
-            <a:lvl9pPr marL="3886200" indent="-228600" defTabSz="4389438" eaLnBrk="0" fontAlgn="base" hangingPunct="0">
-              <a:spcBef>
-                <a:spcPct val="0"/>
-              </a:spcBef>
-              <a:spcAft>
-                <a:spcPct val="0"/>
-              </a:spcAft>
-              <a:defRPr sz="2200">
-                <a:solidFill>
-                  <a:schemeClr val="tx1"/>
-                </a:solidFill>
-                <a:latin typeface="Arial" charset="0"/>
-              </a:defRPr>
-            </a:lvl9pPr>
-          </a:lstStyle>
-          <a:p>
-            <a:pPr eaLnBrk="1" hangingPunct="1"/>
-            <a:r>
-              <a:rPr lang="en-US" sz="2000" b="1" dirty="0">
-                <a:latin typeface="Calibri" pitchFamily="34" charset="0"/>
-              </a:rPr>
-              <a:t>Figure 2.</a:t>
-            </a:r>
-            <a:r>
-              <a:rPr lang="en-US" sz="2000" dirty="0">
-                <a:latin typeface="Calibri" pitchFamily="34" charset="0"/>
-              </a:rPr>
-              <a:t> Label in 20pt Calibri.</a:t>
-            </a:r>
-          </a:p>
-        </p:txBody>
-      </p:sp>
-      <p:pic>
-        <p:nvPicPr>
-          <p:cNvPr id="42" name="Picture 41"/>
-          <p:cNvPicPr>
-            <a:picLocks noChangeAspect="1"/>
-          </p:cNvPicPr>
-          <p:nvPr/>
-        </p:nvPicPr>
-        <p:blipFill rotWithShape="1">
-          <a:blip r:embed="rId6">
-            <a:extLst>
-              <a:ext uri="{28A0092B-C50C-407E-A947-70E740481C1C}">
-                <a14:useLocalDpi xmlns:a14="http://schemas.microsoft.com/office/drawing/2010/main" val="0"/>
-              </a:ext>
-            </a:extLst>
-          </a:blip>
-          <a:srcRect r="20125"/>
-          <a:stretch/>
-        </p:blipFill>
-        <p:spPr>
-          <a:xfrm>
-            <a:off x="26435304" y="29870400"/>
-            <a:ext cx="3511296" cy="2926080"/>
-          </a:xfrm>
-          <a:prstGeom prst="rect">
-            <a:avLst/>
-          </a:prstGeom>
-          <a:ln>
-            <a:solidFill>
-              <a:schemeClr val="tx2">
-                <a:lumMod val="50000"/>
-              </a:schemeClr>
-            </a:solidFill>
-          </a:ln>
-        </p:spPr>
-      </p:pic>
-      <p:sp>
-        <p:nvSpPr>
-          <p:cNvPr id="43" name="Text Box 181"/>
-          <p:cNvSpPr txBox="1">
-            <a:spLocks noChangeArrowheads="1"/>
-          </p:cNvSpPr>
-          <p:nvPr/>
-        </p:nvSpPr>
-        <p:spPr bwMode="auto">
-          <a:xfrm>
-            <a:off x="26506011" y="32918400"/>
-            <a:ext cx="3282437" cy="400110"/>
-          </a:xfrm>
-          <a:prstGeom prst="rect">
-            <a:avLst/>
-          </a:prstGeom>
-          <a:noFill/>
-          <a:ln>
-            <a:noFill/>
-          </a:ln>
-          <a:effectLst/>
-          <a:extLst>
-            <a:ext uri="{909E8E84-426E-40DD-AFC4-6F175D3DCCD1}">
-              <a14:hiddenFill xmlns:a14="http://schemas.microsoft.com/office/drawing/2010/main">
-                <a:solidFill>
-                  <a:schemeClr val="accent1"/>
-                </a:solidFill>
-              </a14:hiddenFill>
-            </a:ext>
-            <a:ext uri="{91240B29-F687-4F45-9708-019B960494DF}">
-              <a14:hiddenLine xmlns:a14="http://schemas.microsoft.com/office/drawing/2010/main" w="9525">
-                <a:solidFill>
-                  <a:schemeClr val="tx1"/>
-                </a:solidFill>
-                <a:miter lim="800000"/>
-                <a:headEnd/>
-                <a:tailEnd/>
-              </a14:hiddenLine>
-            </a:ext>
-            <a:ext uri="{AF507438-7753-43E0-B8FC-AC1667EBCBE1}">
-              <a14:hiddenEffects xmlns:a14="http://schemas.microsoft.com/office/drawing/2010/main">
-                <a:effectLst>
-                  <a:outerShdw dist="35921" dir="2700000" algn="ctr" rotWithShape="0">
-                    <a:schemeClr val="bg2"/>
-                  </a:outerShdw>
-                </a:effectLst>
-              </a14:hiddenEffects>
-            </a:ext>
-          </a:extLst>
-        </p:spPr>
-        <p:txBody>
-          <a:bodyPr wrap="none">
-            <a:spAutoFit/>
-          </a:bodyPr>
-          <a:lstStyle>
-            <a:lvl1pPr defTabSz="4389438" eaLnBrk="0" hangingPunct="0">
-              <a:defRPr sz="2200">
-                <a:solidFill>
-                  <a:schemeClr val="tx1"/>
-                </a:solidFill>
-                <a:latin typeface="Arial" charset="0"/>
-              </a:defRPr>
-            </a:lvl1pPr>
-            <a:lvl2pPr marL="742950" indent="-285750" defTabSz="4389438" eaLnBrk="0" hangingPunct="0">
-              <a:defRPr sz="2200">
-                <a:solidFill>
-                  <a:schemeClr val="tx1"/>
-                </a:solidFill>
-                <a:latin typeface="Arial" charset="0"/>
-              </a:defRPr>
-            </a:lvl2pPr>
-            <a:lvl3pPr marL="1143000" indent="-228600" defTabSz="4389438" eaLnBrk="0" hangingPunct="0">
-              <a:defRPr sz="2200">
-                <a:solidFill>
-                  <a:schemeClr val="tx1"/>
-                </a:solidFill>
-                <a:latin typeface="Arial" charset="0"/>
-              </a:defRPr>
-            </a:lvl3pPr>
-            <a:lvl4pPr marL="1600200" indent="-228600" defTabSz="4389438" eaLnBrk="0" hangingPunct="0">
-              <a:defRPr sz="2200">
-                <a:solidFill>
-                  <a:schemeClr val="tx1"/>
-                </a:solidFill>
-                <a:latin typeface="Arial" charset="0"/>
-              </a:defRPr>
-            </a:lvl4pPr>
-            <a:lvl5pPr marL="2057400" indent="-228600" defTabSz="4389438" eaLnBrk="0" hangingPunct="0">
-              <a:defRPr sz="2200">
-                <a:solidFill>
-                  <a:schemeClr val="tx1"/>
-                </a:solidFill>
-                <a:latin typeface="Arial" charset="0"/>
-              </a:defRPr>
-            </a:lvl5pPr>
-            <a:lvl6pPr marL="2514600" indent="-228600" defTabSz="4389438" eaLnBrk="0" fontAlgn="base" hangingPunct="0">
-              <a:spcBef>
-                <a:spcPct val="0"/>
-              </a:spcBef>
-              <a:spcAft>
-                <a:spcPct val="0"/>
-              </a:spcAft>
-              <a:defRPr sz="2200">
-                <a:solidFill>
-                  <a:schemeClr val="tx1"/>
-                </a:solidFill>
-                <a:latin typeface="Arial" charset="0"/>
-              </a:defRPr>
-            </a:lvl6pPr>
-            <a:lvl7pPr marL="2971800" indent="-228600" defTabSz="4389438" eaLnBrk="0" fontAlgn="base" hangingPunct="0">
-              <a:spcBef>
-                <a:spcPct val="0"/>
-              </a:spcBef>
-              <a:spcAft>
-                <a:spcPct val="0"/>
-              </a:spcAft>
-              <a:defRPr sz="2200">
-                <a:solidFill>
-                  <a:schemeClr val="tx1"/>
-                </a:solidFill>
-                <a:latin typeface="Arial" charset="0"/>
-              </a:defRPr>
-            </a:lvl7pPr>
-            <a:lvl8pPr marL="3429000" indent="-228600" defTabSz="4389438" eaLnBrk="0" fontAlgn="base" hangingPunct="0">
-              <a:spcBef>
-                <a:spcPct val="0"/>
-              </a:spcBef>
-              <a:spcAft>
-                <a:spcPct val="0"/>
-              </a:spcAft>
-              <a:defRPr sz="2200">
-                <a:solidFill>
-                  <a:schemeClr val="tx1"/>
-                </a:solidFill>
-                <a:latin typeface="Arial" charset="0"/>
-              </a:defRPr>
-            </a:lvl8pPr>
-            <a:lvl9pPr marL="3886200" indent="-228600" defTabSz="4389438" eaLnBrk="0" fontAlgn="base" hangingPunct="0">
-              <a:spcBef>
-                <a:spcPct val="0"/>
-              </a:spcBef>
-              <a:spcAft>
-                <a:spcPct val="0"/>
-              </a:spcAft>
-              <a:defRPr sz="2200">
-                <a:solidFill>
-                  <a:schemeClr val="tx1"/>
-                </a:solidFill>
-                <a:latin typeface="Arial" charset="0"/>
-              </a:defRPr>
-            </a:lvl9pPr>
-          </a:lstStyle>
-          <a:p>
-            <a:pPr eaLnBrk="1" hangingPunct="1"/>
-            <a:r>
-              <a:rPr lang="en-US" sz="2000" b="1" dirty="0">
-                <a:latin typeface="Calibri" pitchFamily="34" charset="0"/>
-              </a:rPr>
-              <a:t>Figure 3.</a:t>
-            </a:r>
-            <a:r>
-              <a:rPr lang="en-US" sz="2000" dirty="0">
-                <a:latin typeface="Calibri" pitchFamily="34" charset="0"/>
-              </a:rPr>
-              <a:t> Label in 20pt Calibri.</a:t>
-            </a:r>
-          </a:p>
-        </p:txBody>
-      </p:sp>
-      <p:pic>
-        <p:nvPicPr>
           <p:cNvPr id="7" name="Picture 6">
             <a:extLst>
               <a:ext uri="{FF2B5EF4-FFF2-40B4-BE49-F238E27FC236}">
@@ -6319,7 +3948,7 @@
           <p:nvPr/>
         </p:nvPicPr>
         <p:blipFill>
-          <a:blip r:embed="rId7">
+          <a:blip r:embed="rId4">
             <a:extLst>
               <a:ext uri="{28A0092B-C50C-407E-A947-70E740481C1C}">
                 <a14:useLocalDpi xmlns:a14="http://schemas.microsoft.com/office/drawing/2010/main" val="0"/>
@@ -6355,7 +3984,7 @@
           <p:nvPr/>
         </p:nvPicPr>
         <p:blipFill>
-          <a:blip r:embed="rId7">
+          <a:blip r:embed="rId4">
             <a:extLst>
               <a:ext uri="{28A0092B-C50C-407E-A947-70E740481C1C}">
                 <a14:useLocalDpi xmlns:a14="http://schemas.microsoft.com/office/drawing/2010/main" val="0"/>
@@ -6370,6 +3999,994 @@
           <a:xfrm>
             <a:off x="29077920" y="1195409"/>
             <a:ext cx="2662607" cy="2953073"/>
+          </a:xfrm>
+          <a:prstGeom prst="rect">
+            <a:avLst/>
+          </a:prstGeom>
+        </p:spPr>
+      </p:pic>
+      <p:sp>
+        <p:nvSpPr>
+          <p:cNvPr id="57" name="Rectangle 56">
+            <a:extLst>
+              <a:ext uri="{FF2B5EF4-FFF2-40B4-BE49-F238E27FC236}">
+                <a16:creationId xmlns:a16="http://schemas.microsoft.com/office/drawing/2014/main" id="{8FABAE19-9B2D-A04B-998A-CDF8F93D3D7F}"/>
+              </a:ext>
+            </a:extLst>
+          </p:cNvPr>
+          <p:cNvSpPr/>
+          <p:nvPr/>
+        </p:nvSpPr>
+        <p:spPr>
+          <a:xfrm>
+            <a:off x="1254124" y="17145000"/>
+            <a:ext cx="14976476" cy="1015663"/>
+          </a:xfrm>
+          <a:prstGeom prst="rect">
+            <a:avLst/>
+          </a:prstGeom>
+          <a:solidFill>
+            <a:schemeClr val="accent1">
+              <a:lumMod val="75000"/>
+            </a:schemeClr>
+          </a:solidFill>
+          <a:ln w="12700"/>
+        </p:spPr>
+        <p:style>
+          <a:lnRef idx="2">
+            <a:schemeClr val="accent1">
+              <a:shade val="50000"/>
+            </a:schemeClr>
+          </a:lnRef>
+          <a:fillRef idx="1">
+            <a:schemeClr val="accent1"/>
+          </a:fillRef>
+          <a:effectRef idx="0">
+            <a:schemeClr val="accent1"/>
+          </a:effectRef>
+          <a:fontRef idx="minor">
+            <a:schemeClr val="lt1"/>
+          </a:fontRef>
+        </p:style>
+        <p:txBody>
+          <a:bodyPr wrap="square" rtlCol="0" anchor="ctr">
+            <a:spAutoFit/>
+          </a:bodyPr>
+          <a:lstStyle/>
+          <a:p>
+            <a:pPr algn="ctr"/>
+            <a:r>
+              <a:rPr lang="en-US" sz="6000" b="1" dirty="0">
+                <a:solidFill>
+                  <a:schemeClr val="accent3">
+                    <a:lumMod val="20000"/>
+                    <a:lumOff val="80000"/>
+                  </a:schemeClr>
+                </a:solidFill>
+              </a:rPr>
+              <a:t>Naïve Distribution</a:t>
+            </a:r>
+          </a:p>
+        </p:txBody>
+      </p:sp>
+      <p:pic>
+        <p:nvPicPr>
+          <p:cNvPr id="58" name="Shape 143">
+            <a:extLst>
+              <a:ext uri="{FF2B5EF4-FFF2-40B4-BE49-F238E27FC236}">
+                <a16:creationId xmlns:a16="http://schemas.microsoft.com/office/drawing/2014/main" id="{41AE79A6-F19F-D840-92AA-4DE71F41FB29}"/>
+              </a:ext>
+            </a:extLst>
+          </p:cNvPr>
+          <p:cNvPicPr preferRelativeResize="0"/>
+          <p:nvPr/>
+        </p:nvPicPr>
+        <p:blipFill>
+          <a:blip r:embed="rId5">
+            <a:alphaModFix/>
+          </a:blip>
+          <a:stretch>
+            <a:fillRect/>
+          </a:stretch>
+        </p:blipFill>
+        <p:spPr>
+          <a:xfrm>
+            <a:off x="1762038" y="18364200"/>
+            <a:ext cx="4474014" cy="4219682"/>
+          </a:xfrm>
+          <a:prstGeom prst="rect">
+            <a:avLst/>
+          </a:prstGeom>
+          <a:noFill/>
+          <a:ln>
+            <a:noFill/>
+          </a:ln>
+        </p:spPr>
+      </p:pic>
+      <p:pic>
+        <p:nvPicPr>
+          <p:cNvPr id="59" name="Shape 142">
+            <a:extLst>
+              <a:ext uri="{FF2B5EF4-FFF2-40B4-BE49-F238E27FC236}">
+                <a16:creationId xmlns:a16="http://schemas.microsoft.com/office/drawing/2014/main" id="{2A037CF9-EA01-6743-B4D2-F63EE89F26F1}"/>
+              </a:ext>
+            </a:extLst>
+          </p:cNvPr>
+          <p:cNvPicPr preferRelativeResize="0"/>
+          <p:nvPr/>
+        </p:nvPicPr>
+        <p:blipFill>
+          <a:blip r:embed="rId6">
+            <a:alphaModFix/>
+          </a:blip>
+          <a:stretch>
+            <a:fillRect/>
+          </a:stretch>
+        </p:blipFill>
+        <p:spPr>
+          <a:xfrm>
+            <a:off x="6562638" y="18364200"/>
+            <a:ext cx="4474014" cy="4219682"/>
+          </a:xfrm>
+          <a:prstGeom prst="rect">
+            <a:avLst/>
+          </a:prstGeom>
+          <a:noFill/>
+          <a:ln>
+            <a:noFill/>
+          </a:ln>
+        </p:spPr>
+      </p:pic>
+      <p:pic>
+        <p:nvPicPr>
+          <p:cNvPr id="60" name="Shape 141">
+            <a:extLst>
+              <a:ext uri="{FF2B5EF4-FFF2-40B4-BE49-F238E27FC236}">
+                <a16:creationId xmlns:a16="http://schemas.microsoft.com/office/drawing/2014/main" id="{C1186DDE-A778-1C44-A2B2-4C228FFFB47C}"/>
+              </a:ext>
+            </a:extLst>
+          </p:cNvPr>
+          <p:cNvPicPr preferRelativeResize="0"/>
+          <p:nvPr/>
+        </p:nvPicPr>
+        <p:blipFill>
+          <a:blip r:embed="rId7">
+            <a:alphaModFix/>
+          </a:blip>
+          <a:stretch>
+            <a:fillRect/>
+          </a:stretch>
+        </p:blipFill>
+        <p:spPr>
+          <a:xfrm>
+            <a:off x="11385024" y="18364200"/>
+            <a:ext cx="4474014" cy="4230153"/>
+          </a:xfrm>
+          <a:prstGeom prst="rect">
+            <a:avLst/>
+          </a:prstGeom>
+          <a:noFill/>
+          <a:ln>
+            <a:noFill/>
+          </a:ln>
+        </p:spPr>
+      </p:pic>
+      <p:sp>
+        <p:nvSpPr>
+          <p:cNvPr id="61" name="Text Box 192">
+            <a:extLst>
+              <a:ext uri="{FF2B5EF4-FFF2-40B4-BE49-F238E27FC236}">
+                <a16:creationId xmlns:a16="http://schemas.microsoft.com/office/drawing/2014/main" id="{7A3F6A63-0125-024D-B3D4-46D9D7E386B8}"/>
+              </a:ext>
+            </a:extLst>
+          </p:cNvPr>
+          <p:cNvSpPr txBox="1">
+            <a:spLocks noChangeArrowheads="1"/>
+          </p:cNvSpPr>
+          <p:nvPr/>
+        </p:nvSpPr>
+        <p:spPr bwMode="auto">
+          <a:xfrm>
+            <a:off x="1219200" y="22783800"/>
+            <a:ext cx="14976476" cy="3323987"/>
+          </a:xfrm>
+          <a:prstGeom prst="rect">
+            <a:avLst/>
+          </a:prstGeom>
+          <a:solidFill>
+            <a:schemeClr val="bg1"/>
+          </a:solidFill>
+          <a:ln w="12700">
+            <a:solidFill>
+              <a:schemeClr val="accent1">
+                <a:lumMod val="75000"/>
+              </a:schemeClr>
+            </a:solidFill>
+          </a:ln>
+          <a:effectLst/>
+        </p:spPr>
+        <p:txBody>
+          <a:bodyPr wrap="square" lIns="182880" tIns="182880" rIns="182880" bIns="182880">
+            <a:spAutoFit/>
+          </a:bodyPr>
+          <a:lstStyle>
+            <a:lvl1pPr eaLnBrk="0" hangingPunct="0">
+              <a:defRPr sz="2200">
+                <a:solidFill>
+                  <a:schemeClr val="tx1"/>
+                </a:solidFill>
+                <a:latin typeface="Arial" charset="0"/>
+              </a:defRPr>
+            </a:lvl1pPr>
+            <a:lvl2pPr marL="742950" indent="-285750" eaLnBrk="0" hangingPunct="0">
+              <a:defRPr sz="2200">
+                <a:solidFill>
+                  <a:schemeClr val="tx1"/>
+                </a:solidFill>
+                <a:latin typeface="Arial" charset="0"/>
+              </a:defRPr>
+            </a:lvl2pPr>
+            <a:lvl3pPr marL="1143000" indent="-228600" eaLnBrk="0" hangingPunct="0">
+              <a:defRPr sz="2200">
+                <a:solidFill>
+                  <a:schemeClr val="tx1"/>
+                </a:solidFill>
+                <a:latin typeface="Arial" charset="0"/>
+              </a:defRPr>
+            </a:lvl3pPr>
+            <a:lvl4pPr marL="1600200" indent="-228600" eaLnBrk="0" hangingPunct="0">
+              <a:defRPr sz="2200">
+                <a:solidFill>
+                  <a:schemeClr val="tx1"/>
+                </a:solidFill>
+                <a:latin typeface="Arial" charset="0"/>
+              </a:defRPr>
+            </a:lvl4pPr>
+            <a:lvl5pPr marL="2057400" indent="-228600" eaLnBrk="0" hangingPunct="0">
+              <a:defRPr sz="2200">
+                <a:solidFill>
+                  <a:schemeClr val="tx1"/>
+                </a:solidFill>
+                <a:latin typeface="Arial" charset="0"/>
+              </a:defRPr>
+            </a:lvl5pPr>
+            <a:lvl6pPr marL="2514600" indent="-228600" eaLnBrk="0" fontAlgn="base" hangingPunct="0">
+              <a:spcBef>
+                <a:spcPct val="0"/>
+              </a:spcBef>
+              <a:spcAft>
+                <a:spcPct val="0"/>
+              </a:spcAft>
+              <a:defRPr sz="2200">
+                <a:solidFill>
+                  <a:schemeClr val="tx1"/>
+                </a:solidFill>
+                <a:latin typeface="Arial" charset="0"/>
+              </a:defRPr>
+            </a:lvl6pPr>
+            <a:lvl7pPr marL="2971800" indent="-228600" eaLnBrk="0" fontAlgn="base" hangingPunct="0">
+              <a:spcBef>
+                <a:spcPct val="0"/>
+              </a:spcBef>
+              <a:spcAft>
+                <a:spcPct val="0"/>
+              </a:spcAft>
+              <a:defRPr sz="2200">
+                <a:solidFill>
+                  <a:schemeClr val="tx1"/>
+                </a:solidFill>
+                <a:latin typeface="Arial" charset="0"/>
+              </a:defRPr>
+            </a:lvl7pPr>
+            <a:lvl8pPr marL="3429000" indent="-228600" eaLnBrk="0" fontAlgn="base" hangingPunct="0">
+              <a:spcBef>
+                <a:spcPct val="0"/>
+              </a:spcBef>
+              <a:spcAft>
+                <a:spcPct val="0"/>
+              </a:spcAft>
+              <a:defRPr sz="2200">
+                <a:solidFill>
+                  <a:schemeClr val="tx1"/>
+                </a:solidFill>
+                <a:latin typeface="Arial" charset="0"/>
+              </a:defRPr>
+            </a:lvl8pPr>
+            <a:lvl9pPr marL="3886200" indent="-228600" eaLnBrk="0" fontAlgn="base" hangingPunct="0">
+              <a:spcBef>
+                <a:spcPct val="0"/>
+              </a:spcBef>
+              <a:spcAft>
+                <a:spcPct val="0"/>
+              </a:spcAft>
+              <a:defRPr sz="2200">
+                <a:solidFill>
+                  <a:schemeClr val="tx1"/>
+                </a:solidFill>
+                <a:latin typeface="Arial" charset="0"/>
+              </a:defRPr>
+            </a:lvl9pPr>
+          </a:lstStyle>
+          <a:p>
+            <a:pPr marL="457200" indent="-457200" eaLnBrk="1" hangingPunct="1">
+              <a:buFont typeface="Arial" panose="020B0604020202020204" pitchFamily="34" charset="0"/>
+              <a:buChar char="•"/>
+            </a:pPr>
+            <a:r>
+              <a:rPr lang="en-US" sz="3200" dirty="0">
+                <a:latin typeface="Calibri" pitchFamily="34" charset="0"/>
+              </a:rPr>
+              <a:t>Input matrix A split into equal size sub matrices, compressed into </a:t>
+            </a:r>
+            <a:r>
+              <a:rPr lang="en-US" sz="3200" dirty="0" err="1">
+                <a:latin typeface="Calibri" pitchFamily="34" charset="0"/>
+              </a:rPr>
+              <a:t>CSR</a:t>
+            </a:r>
+            <a:r>
+              <a:rPr lang="en-US" sz="3200" baseline="-25000" dirty="0" err="1">
+                <a:latin typeface="Calibri" pitchFamily="34" charset="0"/>
+              </a:rPr>
+              <a:t>i</a:t>
+            </a:r>
+            <a:r>
+              <a:rPr lang="en-US" sz="3200" dirty="0">
+                <a:latin typeface="Calibri" pitchFamily="34" charset="0"/>
+              </a:rPr>
+              <a:t>.</a:t>
+            </a:r>
+          </a:p>
+          <a:p>
+            <a:pPr marL="457200" indent="-457200" eaLnBrk="1" hangingPunct="1">
+              <a:buFont typeface="Arial" panose="020B0604020202020204" pitchFamily="34" charset="0"/>
+              <a:buChar char="•"/>
+            </a:pPr>
+            <a:r>
+              <a:rPr lang="en-US" sz="3200" dirty="0">
+                <a:latin typeface="Calibri" pitchFamily="34" charset="0"/>
+              </a:rPr>
+              <a:t>Sub matrix </a:t>
+            </a:r>
+            <a:r>
+              <a:rPr lang="en-US" sz="3200" dirty="0" err="1">
+                <a:latin typeface="Calibri" pitchFamily="34" charset="0"/>
+              </a:rPr>
+              <a:t>S</a:t>
+            </a:r>
+            <a:r>
+              <a:rPr lang="en-US" sz="3200" baseline="-25000" dirty="0" err="1">
+                <a:latin typeface="Calibri" pitchFamily="34" charset="0"/>
+              </a:rPr>
+              <a:t>ij</a:t>
+            </a:r>
+            <a:r>
+              <a:rPr lang="en-US" sz="3200" baseline="-25000" dirty="0">
+                <a:latin typeface="Calibri" pitchFamily="34" charset="0"/>
+              </a:rPr>
+              <a:t>  </a:t>
+            </a:r>
+            <a:r>
+              <a:rPr lang="en-US" sz="3200" dirty="0">
+                <a:latin typeface="Calibri" pitchFamily="34" charset="0"/>
+              </a:rPr>
+              <a:t>is assigned to the </a:t>
+            </a:r>
+            <a:r>
+              <a:rPr lang="en-US" sz="3200" dirty="0" err="1">
+                <a:latin typeface="Calibri" pitchFamily="34" charset="0"/>
+              </a:rPr>
+              <a:t>I,j</a:t>
+            </a:r>
+            <a:r>
+              <a:rPr lang="en-US" sz="3200" baseline="30000" dirty="0" err="1">
+                <a:latin typeface="Calibri" pitchFamily="34" charset="0"/>
+              </a:rPr>
+              <a:t>th</a:t>
+            </a:r>
+            <a:r>
+              <a:rPr lang="en-US" sz="3200" dirty="0">
+                <a:latin typeface="Calibri" pitchFamily="34" charset="0"/>
+              </a:rPr>
+              <a:t> process within the MPI process matrix P.</a:t>
+            </a:r>
+          </a:p>
+          <a:p>
+            <a:pPr marL="457200" indent="-457200" eaLnBrk="1" hangingPunct="1">
+              <a:buFont typeface="Arial" panose="020B0604020202020204" pitchFamily="34" charset="0"/>
+              <a:buChar char="•"/>
+            </a:pPr>
+            <a:r>
+              <a:rPr lang="en-US" sz="3200" dirty="0">
+                <a:latin typeface="Calibri" pitchFamily="34" charset="0"/>
+              </a:rPr>
+              <a:t>Global master P</a:t>
+            </a:r>
+            <a:r>
+              <a:rPr lang="en-US" sz="3200" baseline="-25000" dirty="0">
+                <a:latin typeface="Calibri" pitchFamily="34" charset="0"/>
+              </a:rPr>
+              <a:t>00</a:t>
+            </a:r>
+            <a:r>
+              <a:rPr lang="en-US" sz="3200" dirty="0">
+                <a:latin typeface="Calibri" pitchFamily="34" charset="0"/>
+              </a:rPr>
+              <a:t> sends all data for </a:t>
+            </a:r>
+            <a:r>
+              <a:rPr lang="en-US" sz="3200" dirty="0" err="1">
+                <a:latin typeface="Calibri" pitchFamily="34" charset="0"/>
+              </a:rPr>
+              <a:t>col</a:t>
+            </a:r>
+            <a:r>
+              <a:rPr lang="en-US" sz="3200" baseline="-25000" dirty="0" err="1">
+                <a:latin typeface="Calibri" pitchFamily="34" charset="0"/>
+              </a:rPr>
+              <a:t>j</a:t>
+            </a:r>
+            <a:r>
+              <a:rPr lang="en-US" sz="3200" dirty="0">
+                <a:latin typeface="Calibri" pitchFamily="34" charset="0"/>
+              </a:rPr>
+              <a:t> to col master process P</a:t>
+            </a:r>
+            <a:r>
+              <a:rPr lang="en-US" sz="3200" baseline="-25000" dirty="0">
+                <a:latin typeface="Calibri" pitchFamily="34" charset="0"/>
+              </a:rPr>
+              <a:t>0j</a:t>
+            </a:r>
+            <a:r>
+              <a:rPr lang="en-US" sz="3200" dirty="0">
+                <a:latin typeface="Calibri" pitchFamily="34" charset="0"/>
+              </a:rPr>
+              <a:t>.</a:t>
+            </a:r>
+          </a:p>
+          <a:p>
+            <a:pPr marL="457200" indent="-457200" eaLnBrk="1" hangingPunct="1">
+              <a:buFont typeface="Arial" panose="020B0604020202020204" pitchFamily="34" charset="0"/>
+              <a:buChar char="•"/>
+            </a:pPr>
+            <a:r>
+              <a:rPr lang="en-US" sz="3200" dirty="0">
+                <a:latin typeface="Calibri" pitchFamily="34" charset="0"/>
+              </a:rPr>
+              <a:t>Column masters distributed data assigned to individual processes with its column in P</a:t>
+            </a:r>
+          </a:p>
+          <a:p>
+            <a:pPr marL="457200" indent="-457200" eaLnBrk="1" hangingPunct="1">
+              <a:buFont typeface="Arial" panose="020B0604020202020204" pitchFamily="34" charset="0"/>
+              <a:buChar char="•"/>
+            </a:pPr>
+            <a:r>
+              <a:rPr lang="en-US" sz="3200" dirty="0">
+                <a:latin typeface="Calibri" pitchFamily="34" charset="0"/>
+              </a:rPr>
+              <a:t>After </a:t>
+            </a:r>
+            <a:r>
+              <a:rPr lang="en-US" sz="3200" dirty="0" err="1">
+                <a:latin typeface="Calibri" pitchFamily="34" charset="0"/>
+              </a:rPr>
+              <a:t>SpMV</a:t>
+            </a:r>
+            <a:r>
+              <a:rPr lang="en-US" sz="3200" dirty="0">
+                <a:latin typeface="Calibri" pitchFamily="34" charset="0"/>
+              </a:rPr>
+              <a:t> computation, </a:t>
+            </a:r>
+            <a:r>
+              <a:rPr lang="en-US" sz="3200" dirty="0" err="1">
+                <a:latin typeface="Calibri" pitchFamily="34" charset="0"/>
+              </a:rPr>
+              <a:t>MPI_Reduce</a:t>
+            </a:r>
+            <a:r>
+              <a:rPr lang="en-US" sz="3200" dirty="0">
+                <a:latin typeface="Calibri" pitchFamily="34" charset="0"/>
+              </a:rPr>
+              <a:t> with sum collects results for each row portion </a:t>
+            </a:r>
+            <a:r>
+              <a:rPr lang="en-US" sz="3200" dirty="0" err="1">
+                <a:latin typeface="Calibri" pitchFamily="34" charset="0"/>
+              </a:rPr>
+              <a:t>row</a:t>
+            </a:r>
+            <a:r>
+              <a:rPr lang="en-US" sz="3200" baseline="-25000" dirty="0" err="1">
+                <a:latin typeface="Calibri" pitchFamily="34" charset="0"/>
+              </a:rPr>
+              <a:t>ij</a:t>
+            </a:r>
+            <a:r>
+              <a:rPr lang="en-US" sz="3200" dirty="0">
+                <a:latin typeface="Calibri" pitchFamily="34" charset="0"/>
+              </a:rPr>
+              <a:t> at the row master process P</a:t>
+            </a:r>
+            <a:r>
+              <a:rPr lang="en-US" sz="3200" baseline="-25000" dirty="0">
+                <a:latin typeface="Calibri" pitchFamily="34" charset="0"/>
+              </a:rPr>
+              <a:t>i0</a:t>
+            </a:r>
+            <a:r>
+              <a:rPr lang="en-US" sz="3200" dirty="0">
+                <a:latin typeface="Calibri" pitchFamily="34" charset="0"/>
+              </a:rPr>
+              <a:t>.</a:t>
+            </a:r>
+          </a:p>
+        </p:txBody>
+      </p:sp>
+      <p:pic>
+        <p:nvPicPr>
+          <p:cNvPr id="8" name="Picture 7">
+            <a:extLst>
+              <a:ext uri="{FF2B5EF4-FFF2-40B4-BE49-F238E27FC236}">
+                <a16:creationId xmlns:a16="http://schemas.microsoft.com/office/drawing/2014/main" id="{E7A2BD17-E4E1-FB4A-9029-F892953D1DC4}"/>
+              </a:ext>
+            </a:extLst>
+          </p:cNvPr>
+          <p:cNvPicPr>
+            <a:picLocks noChangeAspect="1"/>
+          </p:cNvPicPr>
+          <p:nvPr/>
+        </p:nvPicPr>
+        <p:blipFill>
+          <a:blip r:embed="rId8"/>
+          <a:stretch>
+            <a:fillRect/>
+          </a:stretch>
+        </p:blipFill>
+        <p:spPr>
+          <a:xfrm>
+            <a:off x="23164800" y="30925517"/>
+            <a:ext cx="4437655" cy="1230883"/>
+          </a:xfrm>
+          <a:prstGeom prst="rect">
+            <a:avLst/>
+          </a:prstGeom>
+        </p:spPr>
+      </p:pic>
+      <p:pic>
+        <p:nvPicPr>
+          <p:cNvPr id="16" name="Picture 15">
+            <a:extLst>
+              <a:ext uri="{FF2B5EF4-FFF2-40B4-BE49-F238E27FC236}">
+                <a16:creationId xmlns:a16="http://schemas.microsoft.com/office/drawing/2014/main" id="{7CBDC80F-2736-0C48-8895-0F4CAA6825FD}"/>
+              </a:ext>
+            </a:extLst>
+          </p:cNvPr>
+          <p:cNvPicPr>
+            <a:picLocks noChangeAspect="1"/>
+          </p:cNvPicPr>
+          <p:nvPr/>
+        </p:nvPicPr>
+        <p:blipFill>
+          <a:blip r:embed="rId9">
+            <a:extLst>
+              <a:ext uri="{28A0092B-C50C-407E-A947-70E740481C1C}">
+                <a14:useLocalDpi xmlns:a14="http://schemas.microsoft.com/office/drawing/2010/main" val="0"/>
+              </a:ext>
+            </a:extLst>
+          </a:blip>
+          <a:stretch>
+            <a:fillRect/>
+          </a:stretch>
+        </p:blipFill>
+        <p:spPr>
+          <a:xfrm>
+            <a:off x="16840200" y="30708600"/>
+            <a:ext cx="5980328" cy="1326073"/>
+          </a:xfrm>
+          <a:prstGeom prst="rect">
+            <a:avLst/>
+          </a:prstGeom>
+        </p:spPr>
+      </p:pic>
+      <p:pic>
+        <p:nvPicPr>
+          <p:cNvPr id="18" name="Picture 17">
+            <a:extLst>
+              <a:ext uri="{FF2B5EF4-FFF2-40B4-BE49-F238E27FC236}">
+                <a16:creationId xmlns:a16="http://schemas.microsoft.com/office/drawing/2014/main" id="{A2F875F8-B91A-DD44-A4D9-7BCB62764384}"/>
+              </a:ext>
+            </a:extLst>
+          </p:cNvPr>
+          <p:cNvPicPr>
+            <a:picLocks noChangeAspect="1"/>
+          </p:cNvPicPr>
+          <p:nvPr/>
+        </p:nvPicPr>
+        <p:blipFill>
+          <a:blip r:embed="rId10">
+            <a:extLst>
+              <a:ext uri="{28A0092B-C50C-407E-A947-70E740481C1C}">
+                <a14:useLocalDpi xmlns:a14="http://schemas.microsoft.com/office/drawing/2010/main" val="0"/>
+              </a:ext>
+            </a:extLst>
+          </a:blip>
+          <a:stretch>
+            <a:fillRect/>
+          </a:stretch>
+        </p:blipFill>
+        <p:spPr>
+          <a:xfrm>
+            <a:off x="1600200" y="32590205"/>
+            <a:ext cx="14478916" cy="5814595"/>
+          </a:xfrm>
+          <a:prstGeom prst="rect">
+            <a:avLst/>
+          </a:prstGeom>
+        </p:spPr>
+      </p:pic>
+      <p:pic>
+        <p:nvPicPr>
+          <p:cNvPr id="20" name="Picture 19">
+            <a:extLst>
+              <a:ext uri="{FF2B5EF4-FFF2-40B4-BE49-F238E27FC236}">
+                <a16:creationId xmlns:a16="http://schemas.microsoft.com/office/drawing/2014/main" id="{5B13DD4D-5AF4-2046-9905-C6F84036FA81}"/>
+              </a:ext>
+            </a:extLst>
+          </p:cNvPr>
+          <p:cNvPicPr>
+            <a:picLocks noChangeAspect="1"/>
+          </p:cNvPicPr>
+          <p:nvPr/>
+        </p:nvPicPr>
+        <p:blipFill>
+          <a:blip r:embed="rId11">
+            <a:extLst>
+              <a:ext uri="{28A0092B-C50C-407E-A947-70E740481C1C}">
+                <a14:useLocalDpi xmlns:a14="http://schemas.microsoft.com/office/drawing/2010/main" val="0"/>
+              </a:ext>
+            </a:extLst>
+          </a:blip>
+          <a:stretch>
+            <a:fillRect/>
+          </a:stretch>
+        </p:blipFill>
+        <p:spPr>
+          <a:xfrm>
+            <a:off x="16687800" y="6606508"/>
+            <a:ext cx="14739257" cy="5915225"/>
+          </a:xfrm>
+          <a:prstGeom prst="rect">
+            <a:avLst/>
+          </a:prstGeom>
+        </p:spPr>
+      </p:pic>
+      <p:sp>
+        <p:nvSpPr>
+          <p:cNvPr id="65" name="Text Box 192">
+            <a:extLst>
+              <a:ext uri="{FF2B5EF4-FFF2-40B4-BE49-F238E27FC236}">
+                <a16:creationId xmlns:a16="http://schemas.microsoft.com/office/drawing/2014/main" id="{B6A8B47B-6027-154B-8001-008E4155BAB5}"/>
+              </a:ext>
+            </a:extLst>
+          </p:cNvPr>
+          <p:cNvSpPr txBox="1">
+            <a:spLocks noChangeArrowheads="1"/>
+          </p:cNvSpPr>
+          <p:nvPr/>
+        </p:nvSpPr>
+        <p:spPr bwMode="auto">
+          <a:xfrm>
+            <a:off x="16600743" y="13944600"/>
+            <a:ext cx="14976476" cy="3323987"/>
+          </a:xfrm>
+          <a:prstGeom prst="rect">
+            <a:avLst/>
+          </a:prstGeom>
+          <a:solidFill>
+            <a:schemeClr val="bg1"/>
+          </a:solidFill>
+          <a:ln w="12700">
+            <a:solidFill>
+              <a:schemeClr val="accent1">
+                <a:lumMod val="75000"/>
+              </a:schemeClr>
+            </a:solidFill>
+          </a:ln>
+          <a:effectLst/>
+        </p:spPr>
+        <p:txBody>
+          <a:bodyPr wrap="square" lIns="182880" tIns="182880" rIns="182880" bIns="182880">
+            <a:spAutoFit/>
+          </a:bodyPr>
+          <a:lstStyle>
+            <a:lvl1pPr eaLnBrk="0" hangingPunct="0">
+              <a:defRPr sz="2200">
+                <a:solidFill>
+                  <a:schemeClr val="tx1"/>
+                </a:solidFill>
+                <a:latin typeface="Arial" charset="0"/>
+              </a:defRPr>
+            </a:lvl1pPr>
+            <a:lvl2pPr marL="742950" indent="-285750" eaLnBrk="0" hangingPunct="0">
+              <a:defRPr sz="2200">
+                <a:solidFill>
+                  <a:schemeClr val="tx1"/>
+                </a:solidFill>
+                <a:latin typeface="Arial" charset="0"/>
+              </a:defRPr>
+            </a:lvl2pPr>
+            <a:lvl3pPr marL="1143000" indent="-228600" eaLnBrk="0" hangingPunct="0">
+              <a:defRPr sz="2200">
+                <a:solidFill>
+                  <a:schemeClr val="tx1"/>
+                </a:solidFill>
+                <a:latin typeface="Arial" charset="0"/>
+              </a:defRPr>
+            </a:lvl3pPr>
+            <a:lvl4pPr marL="1600200" indent="-228600" eaLnBrk="0" hangingPunct="0">
+              <a:defRPr sz="2200">
+                <a:solidFill>
+                  <a:schemeClr val="tx1"/>
+                </a:solidFill>
+                <a:latin typeface="Arial" charset="0"/>
+              </a:defRPr>
+            </a:lvl4pPr>
+            <a:lvl5pPr marL="2057400" indent="-228600" eaLnBrk="0" hangingPunct="0">
+              <a:defRPr sz="2200">
+                <a:solidFill>
+                  <a:schemeClr val="tx1"/>
+                </a:solidFill>
+                <a:latin typeface="Arial" charset="0"/>
+              </a:defRPr>
+            </a:lvl5pPr>
+            <a:lvl6pPr marL="2514600" indent="-228600" eaLnBrk="0" fontAlgn="base" hangingPunct="0">
+              <a:spcBef>
+                <a:spcPct val="0"/>
+              </a:spcBef>
+              <a:spcAft>
+                <a:spcPct val="0"/>
+              </a:spcAft>
+              <a:defRPr sz="2200">
+                <a:solidFill>
+                  <a:schemeClr val="tx1"/>
+                </a:solidFill>
+                <a:latin typeface="Arial" charset="0"/>
+              </a:defRPr>
+            </a:lvl6pPr>
+            <a:lvl7pPr marL="2971800" indent="-228600" eaLnBrk="0" fontAlgn="base" hangingPunct="0">
+              <a:spcBef>
+                <a:spcPct val="0"/>
+              </a:spcBef>
+              <a:spcAft>
+                <a:spcPct val="0"/>
+              </a:spcAft>
+              <a:defRPr sz="2200">
+                <a:solidFill>
+                  <a:schemeClr val="tx1"/>
+                </a:solidFill>
+                <a:latin typeface="Arial" charset="0"/>
+              </a:defRPr>
+            </a:lvl7pPr>
+            <a:lvl8pPr marL="3429000" indent="-228600" eaLnBrk="0" fontAlgn="base" hangingPunct="0">
+              <a:spcBef>
+                <a:spcPct val="0"/>
+              </a:spcBef>
+              <a:spcAft>
+                <a:spcPct val="0"/>
+              </a:spcAft>
+              <a:defRPr sz="2200">
+                <a:solidFill>
+                  <a:schemeClr val="tx1"/>
+                </a:solidFill>
+                <a:latin typeface="Arial" charset="0"/>
+              </a:defRPr>
+            </a:lvl8pPr>
+            <a:lvl9pPr marL="3886200" indent="-228600" eaLnBrk="0" fontAlgn="base" hangingPunct="0">
+              <a:spcBef>
+                <a:spcPct val="0"/>
+              </a:spcBef>
+              <a:spcAft>
+                <a:spcPct val="0"/>
+              </a:spcAft>
+              <a:defRPr sz="2200">
+                <a:solidFill>
+                  <a:schemeClr val="tx1"/>
+                </a:solidFill>
+                <a:latin typeface="Arial" charset="0"/>
+              </a:defRPr>
+            </a:lvl9pPr>
+          </a:lstStyle>
+          <a:p>
+            <a:pPr marL="457200" indent="-457200" eaLnBrk="1" hangingPunct="1">
+              <a:buFont typeface="Arial" panose="020B0604020202020204" pitchFamily="34" charset="0"/>
+              <a:buChar char="•"/>
+            </a:pPr>
+            <a:r>
+              <a:rPr lang="en-US" sz="3200" dirty="0">
+                <a:latin typeface="Calibri" pitchFamily="34" charset="0"/>
+              </a:rPr>
+              <a:t>Non-zeros compressed into CSR format, entire contiguous rows sorted by length.</a:t>
+            </a:r>
+          </a:p>
+          <a:p>
+            <a:pPr marL="457200" indent="-457200" eaLnBrk="1" hangingPunct="1">
+              <a:buFont typeface="Arial" panose="020B0604020202020204" pitchFamily="34" charset="0"/>
+              <a:buChar char="•"/>
+            </a:pPr>
+            <a:r>
+              <a:rPr lang="en-US" sz="3200" dirty="0">
+                <a:latin typeface="Calibri" pitchFamily="34" charset="0"/>
+              </a:rPr>
+              <a:t>Greedy bin packing algorithm determines “optimal” non-zero per row distribution.</a:t>
+            </a:r>
+          </a:p>
+          <a:p>
+            <a:pPr marL="457200" indent="-457200" eaLnBrk="1" hangingPunct="1">
+              <a:buFont typeface="Arial" panose="020B0604020202020204" pitchFamily="34" charset="0"/>
+              <a:buChar char="•"/>
+            </a:pPr>
+            <a:r>
+              <a:rPr lang="en-US" sz="3200" dirty="0">
+                <a:latin typeface="Calibri" pitchFamily="34" charset="0"/>
+              </a:rPr>
+              <a:t>Data sent to column masters and to </a:t>
+            </a:r>
+            <a:r>
+              <a:rPr lang="en-US" sz="3200" dirty="0" err="1">
+                <a:latin typeface="Calibri" pitchFamily="34" charset="0"/>
+              </a:rPr>
+              <a:t>indiduals</a:t>
+            </a:r>
+            <a:r>
+              <a:rPr lang="en-US" sz="3200" dirty="0">
+                <a:latin typeface="Calibri" pitchFamily="34" charset="0"/>
+              </a:rPr>
+              <a:t> via similar communication pattern as the naïve method.</a:t>
+            </a:r>
+          </a:p>
+          <a:p>
+            <a:pPr marL="457200" indent="-457200" eaLnBrk="1" hangingPunct="1">
+              <a:buFont typeface="Arial" panose="020B0604020202020204" pitchFamily="34" charset="0"/>
+              <a:buChar char="•"/>
+            </a:pPr>
+            <a:r>
+              <a:rPr lang="en-US" sz="3200" dirty="0">
+                <a:latin typeface="Calibri" pitchFamily="34" charset="0"/>
+              </a:rPr>
+              <a:t>After </a:t>
+            </a:r>
+            <a:r>
+              <a:rPr lang="en-US" sz="3200" dirty="0" err="1">
+                <a:latin typeface="Calibri" pitchFamily="34" charset="0"/>
+              </a:rPr>
+              <a:t>SpMV</a:t>
+            </a:r>
+            <a:r>
+              <a:rPr lang="en-US" sz="3200" dirty="0">
+                <a:latin typeface="Calibri" pitchFamily="34" charset="0"/>
+              </a:rPr>
+              <a:t> computation, initiate MPI_GATHERV on MPI_COMM_WORLD. </a:t>
+            </a:r>
+          </a:p>
+          <a:p>
+            <a:pPr marL="457200" indent="-457200" eaLnBrk="1" hangingPunct="1">
+              <a:buFont typeface="Arial" panose="020B0604020202020204" pitchFamily="34" charset="0"/>
+              <a:buChar char="•"/>
+            </a:pPr>
+            <a:r>
+              <a:rPr lang="en-US" sz="3200" dirty="0">
+                <a:latin typeface="Calibri" pitchFamily="34" charset="0"/>
+              </a:rPr>
+              <a:t>Create near uniform load distribution, while reducing reduction time.</a:t>
+            </a:r>
+          </a:p>
+        </p:txBody>
+      </p:sp>
+      <p:pic>
+        <p:nvPicPr>
+          <p:cNvPr id="22" name="Picture 21">
+            <a:extLst>
+              <a:ext uri="{FF2B5EF4-FFF2-40B4-BE49-F238E27FC236}">
+                <a16:creationId xmlns:a16="http://schemas.microsoft.com/office/drawing/2014/main" id="{6EA0D535-8F47-8440-9015-2A50DDE60CC4}"/>
+              </a:ext>
+            </a:extLst>
+          </p:cNvPr>
+          <p:cNvPicPr>
+            <a:picLocks noChangeAspect="1"/>
+          </p:cNvPicPr>
+          <p:nvPr/>
+        </p:nvPicPr>
+        <p:blipFill>
+          <a:blip r:embed="rId12">
+            <a:extLst>
+              <a:ext uri="{28A0092B-C50C-407E-A947-70E740481C1C}">
+                <a14:useLocalDpi xmlns:a14="http://schemas.microsoft.com/office/drawing/2010/main" val="0"/>
+              </a:ext>
+            </a:extLst>
+          </a:blip>
+          <a:stretch>
+            <a:fillRect/>
+          </a:stretch>
+        </p:blipFill>
+        <p:spPr>
+          <a:xfrm>
+            <a:off x="16764000" y="17373600"/>
+            <a:ext cx="14689140" cy="5895112"/>
+          </a:xfrm>
+          <a:prstGeom prst="rect">
+            <a:avLst/>
+          </a:prstGeom>
+        </p:spPr>
+      </p:pic>
+      <p:pic>
+        <p:nvPicPr>
+          <p:cNvPr id="66" name="Picture 65">
+            <a:extLst>
+              <a:ext uri="{FF2B5EF4-FFF2-40B4-BE49-F238E27FC236}">
+                <a16:creationId xmlns:a16="http://schemas.microsoft.com/office/drawing/2014/main" id="{1358D0E8-6597-0642-87EE-FAD6FED793F6}"/>
+              </a:ext>
+            </a:extLst>
+          </p:cNvPr>
+          <p:cNvPicPr>
+            <a:picLocks noChangeAspect="1"/>
+          </p:cNvPicPr>
+          <p:nvPr/>
+        </p:nvPicPr>
+        <p:blipFill>
+          <a:blip r:embed="rId13">
+            <a:extLst>
+              <a:ext uri="{28A0092B-C50C-407E-A947-70E740481C1C}">
+                <a14:useLocalDpi xmlns:a14="http://schemas.microsoft.com/office/drawing/2010/main" val="0"/>
+              </a:ext>
+            </a:extLst>
+          </a:blip>
+          <a:stretch>
+            <a:fillRect/>
+          </a:stretch>
+        </p:blipFill>
+        <p:spPr>
+          <a:xfrm>
+            <a:off x="28068495" y="30924554"/>
+            <a:ext cx="3630705" cy="1231846"/>
+          </a:xfrm>
+          <a:prstGeom prst="rect">
+            <a:avLst/>
+          </a:prstGeom>
+        </p:spPr>
+      </p:pic>
+      <p:pic>
+        <p:nvPicPr>
+          <p:cNvPr id="3" name="Picture 2">
+            <a:extLst>
+              <a:ext uri="{FF2B5EF4-FFF2-40B4-BE49-F238E27FC236}">
+                <a16:creationId xmlns:a16="http://schemas.microsoft.com/office/drawing/2014/main" id="{46E4A325-BC7C-5947-9E63-0CAE61DC3F7E}"/>
+              </a:ext>
+            </a:extLst>
+          </p:cNvPr>
+          <p:cNvPicPr>
+            <a:picLocks noChangeAspect="1"/>
+          </p:cNvPicPr>
+          <p:nvPr/>
+        </p:nvPicPr>
+        <p:blipFill>
+          <a:blip r:embed="rId14">
+            <a:extLst>
+              <a:ext uri="{28A0092B-C50C-407E-A947-70E740481C1C}">
+                <a14:useLocalDpi xmlns:a14="http://schemas.microsoft.com/office/drawing/2010/main" val="0"/>
+              </a:ext>
+            </a:extLst>
+          </a:blip>
+          <a:stretch>
+            <a:fillRect/>
+          </a:stretch>
+        </p:blipFill>
+        <p:spPr>
+          <a:xfrm>
+            <a:off x="16840200" y="23276733"/>
+            <a:ext cx="14612940" cy="5862619"/>
           </a:xfrm>
           <a:prstGeom prst="rect">
             <a:avLst/>
